--- a/docs/diagrams/editBondCommand.pptx
+++ b/docs/diagrams/editBondCommand.pptx
@@ -4,6 +4,9 @@
   <p:sldMasterIdLst>
     <p:sldMasterId id="2147483648" r:id="rId1"/>
   </p:sldMasterIdLst>
+  <p:notesMasterIdLst>
+    <p:notesMasterId r:id="rId3"/>
+  </p:notesMasterIdLst>
   <p:sldIdLst>
     <p:sldId id="256" r:id="rId2"/>
   </p:sldIdLst>
@@ -104,7 +107,446 @@
       </a:defRPr>
     </a:lvl9pPr>
   </p:defaultTextStyle>
+  <p:extLst>
+    <p:ext uri="{EFAFB233-063F-42B5-8137-9DF3F51BA10A}">
+      <p15:sldGuideLst xmlns:p15="http://schemas.microsoft.com/office/powerpoint/2012/main"/>
+    </p:ext>
+  </p:extLst>
 </p:presentation>
+</file>
+
+<file path=ppt/notesMasters/notesMaster1.xml><?xml version="1.0" encoding="utf-8"?>
+<p:notesMaster xmlns:a="http://schemas.openxmlformats.org/drawingml/2006/main" xmlns:r="http://schemas.openxmlformats.org/officeDocument/2006/relationships" xmlns:p="http://schemas.openxmlformats.org/presentationml/2006/main">
+  <p:cSld>
+    <p:bg>
+      <p:bgRef idx="1001">
+        <a:schemeClr val="bg1"/>
+      </p:bgRef>
+    </p:bg>
+    <p:spTree>
+      <p:nvGrpSpPr>
+        <p:cNvPr id="1" name=""/>
+        <p:cNvGrpSpPr/>
+        <p:nvPr/>
+      </p:nvGrpSpPr>
+      <p:grpSpPr>
+        <a:xfrm>
+          <a:off x="0" y="0"/>
+          <a:ext cx="0" cy="0"/>
+          <a:chOff x="0" y="0"/>
+          <a:chExt cx="0" cy="0"/>
+        </a:xfrm>
+      </p:grpSpPr>
+      <p:sp>
+        <p:nvSpPr>
+          <p:cNvPr id="2" name="Header Placeholder 1"/>
+          <p:cNvSpPr>
+            <a:spLocks noGrp="1"/>
+          </p:cNvSpPr>
+          <p:nvPr>
+            <p:ph type="hdr" sz="quarter"/>
+          </p:nvPr>
+        </p:nvSpPr>
+        <p:spPr>
+          <a:xfrm>
+            <a:off x="0" y="0"/>
+            <a:ext cx="2971800" cy="458788"/>
+          </a:xfrm>
+          <a:prstGeom prst="rect">
+            <a:avLst/>
+          </a:prstGeom>
+        </p:spPr>
+        <p:txBody>
+          <a:bodyPr vert="horz" lIns="91440" tIns="45720" rIns="91440" bIns="45720" rtlCol="0"/>
+          <a:lstStyle>
+            <a:lvl1pPr algn="l">
+              <a:defRPr sz="1200"/>
+            </a:lvl1pPr>
+          </a:lstStyle>
+          <a:p>
+            <a:endParaRPr lang="en-US"/>
+          </a:p>
+        </p:txBody>
+      </p:sp>
+      <p:sp>
+        <p:nvSpPr>
+          <p:cNvPr id="3" name="Date Placeholder 2"/>
+          <p:cNvSpPr>
+            <a:spLocks noGrp="1"/>
+          </p:cNvSpPr>
+          <p:nvPr>
+            <p:ph type="dt" idx="1"/>
+          </p:nvPr>
+        </p:nvSpPr>
+        <p:spPr>
+          <a:xfrm>
+            <a:off x="3884613" y="0"/>
+            <a:ext cx="2971800" cy="458788"/>
+          </a:xfrm>
+          <a:prstGeom prst="rect">
+            <a:avLst/>
+          </a:prstGeom>
+        </p:spPr>
+        <p:txBody>
+          <a:bodyPr vert="horz" lIns="91440" tIns="45720" rIns="91440" bIns="45720" rtlCol="0"/>
+          <a:lstStyle>
+            <a:lvl1pPr algn="r">
+              <a:defRPr sz="1200"/>
+            </a:lvl1pPr>
+          </a:lstStyle>
+          <a:p>
+            <a:fld id="{0A4555F0-8803-3C4F-A3EB-71F4D13A9CFD}" type="datetimeFigureOut">
+              <a:rPr lang="en-US" smtClean="0"/>
+              <a:t>10/31/19</a:t>
+            </a:fld>
+            <a:endParaRPr lang="en-US"/>
+          </a:p>
+        </p:txBody>
+      </p:sp>
+      <p:sp>
+        <p:nvSpPr>
+          <p:cNvPr id="4" name="Slide Image Placeholder 3"/>
+          <p:cNvSpPr>
+            <a:spLocks noGrp="1" noRot="1" noChangeAspect="1"/>
+          </p:cNvSpPr>
+          <p:nvPr>
+            <p:ph type="sldImg" idx="2"/>
+          </p:nvPr>
+        </p:nvSpPr>
+        <p:spPr>
+          <a:xfrm>
+            <a:off x="685800" y="1143000"/>
+            <a:ext cx="5486400" cy="3086100"/>
+          </a:xfrm>
+          <a:prstGeom prst="rect">
+            <a:avLst/>
+          </a:prstGeom>
+          <a:noFill/>
+          <a:ln w="12700">
+            <a:solidFill>
+              <a:prstClr val="black"/>
+            </a:solidFill>
+          </a:ln>
+        </p:spPr>
+        <p:txBody>
+          <a:bodyPr vert="horz" lIns="91440" tIns="45720" rIns="91440" bIns="45720" rtlCol="0" anchor="ctr"/>
+          <a:lstStyle/>
+          <a:p>
+            <a:endParaRPr lang="en-US"/>
+          </a:p>
+        </p:txBody>
+      </p:sp>
+      <p:sp>
+        <p:nvSpPr>
+          <p:cNvPr id="5" name="Notes Placeholder 4"/>
+          <p:cNvSpPr>
+            <a:spLocks noGrp="1"/>
+          </p:cNvSpPr>
+          <p:nvPr>
+            <p:ph type="body" sz="quarter" idx="3"/>
+          </p:nvPr>
+        </p:nvSpPr>
+        <p:spPr>
+          <a:xfrm>
+            <a:off x="685800" y="4400550"/>
+            <a:ext cx="5486400" cy="3600450"/>
+          </a:xfrm>
+          <a:prstGeom prst="rect">
+            <a:avLst/>
+          </a:prstGeom>
+        </p:spPr>
+        <p:txBody>
+          <a:bodyPr vert="horz" lIns="91440" tIns="45720" rIns="91440" bIns="45720" rtlCol="0"/>
+          <a:lstStyle/>
+          <a:p>
+            <a:pPr lvl="0"/>
+            <a:r>
+              <a:rPr lang="en-GB"/>
+              <a:t>Click to edit Master text styles</a:t>
+            </a:r>
+          </a:p>
+          <a:p>
+            <a:pPr lvl="1"/>
+            <a:r>
+              <a:rPr lang="en-GB"/>
+              <a:t>Second level</a:t>
+            </a:r>
+          </a:p>
+          <a:p>
+            <a:pPr lvl="2"/>
+            <a:r>
+              <a:rPr lang="en-GB"/>
+              <a:t>Third level</a:t>
+            </a:r>
+          </a:p>
+          <a:p>
+            <a:pPr lvl="3"/>
+            <a:r>
+              <a:rPr lang="en-GB"/>
+              <a:t>Fourth level</a:t>
+            </a:r>
+          </a:p>
+          <a:p>
+            <a:pPr lvl="4"/>
+            <a:r>
+              <a:rPr lang="en-GB"/>
+              <a:t>Fifth level</a:t>
+            </a:r>
+            <a:endParaRPr lang="en-US"/>
+          </a:p>
+        </p:txBody>
+      </p:sp>
+      <p:sp>
+        <p:nvSpPr>
+          <p:cNvPr id="6" name="Footer Placeholder 5"/>
+          <p:cNvSpPr>
+            <a:spLocks noGrp="1"/>
+          </p:cNvSpPr>
+          <p:nvPr>
+            <p:ph type="ftr" sz="quarter" idx="4"/>
+          </p:nvPr>
+        </p:nvSpPr>
+        <p:spPr>
+          <a:xfrm>
+            <a:off x="0" y="8685213"/>
+            <a:ext cx="2971800" cy="458787"/>
+          </a:xfrm>
+          <a:prstGeom prst="rect">
+            <a:avLst/>
+          </a:prstGeom>
+        </p:spPr>
+        <p:txBody>
+          <a:bodyPr vert="horz" lIns="91440" tIns="45720" rIns="91440" bIns="45720" rtlCol="0" anchor="b"/>
+          <a:lstStyle>
+            <a:lvl1pPr algn="l">
+              <a:defRPr sz="1200"/>
+            </a:lvl1pPr>
+          </a:lstStyle>
+          <a:p>
+            <a:endParaRPr lang="en-US"/>
+          </a:p>
+        </p:txBody>
+      </p:sp>
+      <p:sp>
+        <p:nvSpPr>
+          <p:cNvPr id="7" name="Slide Number Placeholder 6"/>
+          <p:cNvSpPr>
+            <a:spLocks noGrp="1"/>
+          </p:cNvSpPr>
+          <p:nvPr>
+            <p:ph type="sldNum" sz="quarter" idx="5"/>
+          </p:nvPr>
+        </p:nvSpPr>
+        <p:spPr>
+          <a:xfrm>
+            <a:off x="3884613" y="8685213"/>
+            <a:ext cx="2971800" cy="458787"/>
+          </a:xfrm>
+          <a:prstGeom prst="rect">
+            <a:avLst/>
+          </a:prstGeom>
+        </p:spPr>
+        <p:txBody>
+          <a:bodyPr vert="horz" lIns="91440" tIns="45720" rIns="91440" bIns="45720" rtlCol="0" anchor="b"/>
+          <a:lstStyle>
+            <a:lvl1pPr algn="r">
+              <a:defRPr sz="1200"/>
+            </a:lvl1pPr>
+          </a:lstStyle>
+          <a:p>
+            <a:fld id="{68DAA708-9B60-4346-B4CD-3454C6A9EA45}" type="slidenum">
+              <a:rPr lang="en-US" smtClean="0"/>
+              <a:t>‹#›</a:t>
+            </a:fld>
+            <a:endParaRPr lang="en-US"/>
+          </a:p>
+        </p:txBody>
+      </p:sp>
+    </p:spTree>
+    <p:extLst>
+      <p:ext uri="{BB962C8B-B14F-4D97-AF65-F5344CB8AC3E}">
+        <p14:creationId xmlns:p14="http://schemas.microsoft.com/office/powerpoint/2010/main" val="1677508630"/>
+      </p:ext>
+    </p:extLst>
+  </p:cSld>
+  <p:clrMap bg1="lt1" tx1="dk1" bg2="lt2" tx2="dk2" accent1="accent1" accent2="accent2" accent3="accent3" accent4="accent4" accent5="accent5" accent6="accent6" hlink="hlink" folHlink="folHlink"/>
+  <p:notesStyle>
+    <a:lvl1pPr marL="0" algn="l" defTabSz="914400" rtl="0" eaLnBrk="1" latinLnBrk="0" hangingPunct="1">
+      <a:defRPr sz="1200" kern="1200">
+        <a:solidFill>
+          <a:schemeClr val="tx1"/>
+        </a:solidFill>
+        <a:latin typeface="+mn-lt"/>
+        <a:ea typeface="+mn-ea"/>
+        <a:cs typeface="+mn-cs"/>
+      </a:defRPr>
+    </a:lvl1pPr>
+    <a:lvl2pPr marL="457200" algn="l" defTabSz="914400" rtl="0" eaLnBrk="1" latinLnBrk="0" hangingPunct="1">
+      <a:defRPr sz="1200" kern="1200">
+        <a:solidFill>
+          <a:schemeClr val="tx1"/>
+        </a:solidFill>
+        <a:latin typeface="+mn-lt"/>
+        <a:ea typeface="+mn-ea"/>
+        <a:cs typeface="+mn-cs"/>
+      </a:defRPr>
+    </a:lvl2pPr>
+    <a:lvl3pPr marL="914400" algn="l" defTabSz="914400" rtl="0" eaLnBrk="1" latinLnBrk="0" hangingPunct="1">
+      <a:defRPr sz="1200" kern="1200">
+        <a:solidFill>
+          <a:schemeClr val="tx1"/>
+        </a:solidFill>
+        <a:latin typeface="+mn-lt"/>
+        <a:ea typeface="+mn-ea"/>
+        <a:cs typeface="+mn-cs"/>
+      </a:defRPr>
+    </a:lvl3pPr>
+    <a:lvl4pPr marL="1371600" algn="l" defTabSz="914400" rtl="0" eaLnBrk="1" latinLnBrk="0" hangingPunct="1">
+      <a:defRPr sz="1200" kern="1200">
+        <a:solidFill>
+          <a:schemeClr val="tx1"/>
+        </a:solidFill>
+        <a:latin typeface="+mn-lt"/>
+        <a:ea typeface="+mn-ea"/>
+        <a:cs typeface="+mn-cs"/>
+      </a:defRPr>
+    </a:lvl4pPr>
+    <a:lvl5pPr marL="1828800" algn="l" defTabSz="914400" rtl="0" eaLnBrk="1" latinLnBrk="0" hangingPunct="1">
+      <a:defRPr sz="1200" kern="1200">
+        <a:solidFill>
+          <a:schemeClr val="tx1"/>
+        </a:solidFill>
+        <a:latin typeface="+mn-lt"/>
+        <a:ea typeface="+mn-ea"/>
+        <a:cs typeface="+mn-cs"/>
+      </a:defRPr>
+    </a:lvl5pPr>
+    <a:lvl6pPr marL="2286000" algn="l" defTabSz="914400" rtl="0" eaLnBrk="1" latinLnBrk="0" hangingPunct="1">
+      <a:defRPr sz="1200" kern="1200">
+        <a:solidFill>
+          <a:schemeClr val="tx1"/>
+        </a:solidFill>
+        <a:latin typeface="+mn-lt"/>
+        <a:ea typeface="+mn-ea"/>
+        <a:cs typeface="+mn-cs"/>
+      </a:defRPr>
+    </a:lvl6pPr>
+    <a:lvl7pPr marL="2743200" algn="l" defTabSz="914400" rtl="0" eaLnBrk="1" latinLnBrk="0" hangingPunct="1">
+      <a:defRPr sz="1200" kern="1200">
+        <a:solidFill>
+          <a:schemeClr val="tx1"/>
+        </a:solidFill>
+        <a:latin typeface="+mn-lt"/>
+        <a:ea typeface="+mn-ea"/>
+        <a:cs typeface="+mn-cs"/>
+      </a:defRPr>
+    </a:lvl7pPr>
+    <a:lvl8pPr marL="3200400" algn="l" defTabSz="914400" rtl="0" eaLnBrk="1" latinLnBrk="0" hangingPunct="1">
+      <a:defRPr sz="1200" kern="1200">
+        <a:solidFill>
+          <a:schemeClr val="tx1"/>
+        </a:solidFill>
+        <a:latin typeface="+mn-lt"/>
+        <a:ea typeface="+mn-ea"/>
+        <a:cs typeface="+mn-cs"/>
+      </a:defRPr>
+    </a:lvl8pPr>
+    <a:lvl9pPr marL="3657600" algn="l" defTabSz="914400" rtl="0" eaLnBrk="1" latinLnBrk="0" hangingPunct="1">
+      <a:defRPr sz="1200" kern="1200">
+        <a:solidFill>
+          <a:schemeClr val="tx1"/>
+        </a:solidFill>
+        <a:latin typeface="+mn-lt"/>
+        <a:ea typeface="+mn-ea"/>
+        <a:cs typeface="+mn-cs"/>
+      </a:defRPr>
+    </a:lvl9pPr>
+  </p:notesStyle>
+</p:notesMaster>
+</file>
+
+<file path=ppt/notesSlides/notesSlide1.xml><?xml version="1.0" encoding="utf-8"?>
+<p:notes xmlns:a="http://schemas.openxmlformats.org/drawingml/2006/main" xmlns:r="http://schemas.openxmlformats.org/officeDocument/2006/relationships" xmlns:p="http://schemas.openxmlformats.org/presentationml/2006/main">
+  <p:cSld>
+    <p:spTree>
+      <p:nvGrpSpPr>
+        <p:cNvPr id="1" name=""/>
+        <p:cNvGrpSpPr/>
+        <p:nvPr/>
+      </p:nvGrpSpPr>
+      <p:grpSpPr>
+        <a:xfrm>
+          <a:off x="0" y="0"/>
+          <a:ext cx="0" cy="0"/>
+          <a:chOff x="0" y="0"/>
+          <a:chExt cx="0" cy="0"/>
+        </a:xfrm>
+      </p:grpSpPr>
+      <p:sp>
+        <p:nvSpPr>
+          <p:cNvPr id="2" name="Slide Image Placeholder 1"/>
+          <p:cNvSpPr>
+            <a:spLocks noGrp="1" noRot="1" noChangeAspect="1"/>
+          </p:cNvSpPr>
+          <p:nvPr>
+            <p:ph type="sldImg"/>
+          </p:nvPr>
+        </p:nvSpPr>
+        <p:spPr/>
+      </p:sp>
+      <p:sp>
+        <p:nvSpPr>
+          <p:cNvPr id="3" name="Notes Placeholder 2"/>
+          <p:cNvSpPr>
+            <a:spLocks noGrp="1"/>
+          </p:cNvSpPr>
+          <p:nvPr>
+            <p:ph type="body" idx="1"/>
+          </p:nvPr>
+        </p:nvSpPr>
+        <p:spPr/>
+        <p:txBody>
+          <a:bodyPr/>
+          <a:lstStyle/>
+          <a:p>
+            <a:endParaRPr lang="en-US" dirty="0"/>
+          </a:p>
+        </p:txBody>
+      </p:sp>
+      <p:sp>
+        <p:nvSpPr>
+          <p:cNvPr id="4" name="Slide Number Placeholder 3"/>
+          <p:cNvSpPr>
+            <a:spLocks noGrp="1"/>
+          </p:cNvSpPr>
+          <p:nvPr>
+            <p:ph type="sldNum" sz="quarter" idx="5"/>
+          </p:nvPr>
+        </p:nvSpPr>
+        <p:spPr/>
+        <p:txBody>
+          <a:bodyPr/>
+          <a:lstStyle/>
+          <a:p>
+            <a:fld id="{68DAA708-9B60-4346-B4CD-3454C6A9EA45}" type="slidenum">
+              <a:rPr lang="en-US" smtClean="0"/>
+              <a:t>1</a:t>
+            </a:fld>
+            <a:endParaRPr lang="en-US"/>
+          </a:p>
+        </p:txBody>
+      </p:sp>
+    </p:spTree>
+    <p:extLst>
+      <p:ext uri="{BB962C8B-B14F-4D97-AF65-F5344CB8AC3E}">
+        <p14:creationId xmlns:p14="http://schemas.microsoft.com/office/powerpoint/2010/main" val="2873666231"/>
+      </p:ext>
+    </p:extLst>
+  </p:cSld>
+  <p:clrMapOvr>
+    <a:masterClrMapping/>
+  </p:clrMapOvr>
+</p:notes>
 </file>
 
 <file path=ppt/slideLayouts/slideLayout1.xml><?xml version="1.0" encoding="utf-8"?>
@@ -256,7 +698,7 @@
           <a:p>
             <a:fld id="{1238BF01-9D0D-094E-B87C-302B081660A8}" type="datetimeFigureOut">
               <a:rPr lang="en-US" smtClean="0"/>
-              <a:t>10/22/19</a:t>
+              <a:t>10/31/19</a:t>
             </a:fld>
             <a:endParaRPr lang="en-US"/>
           </a:p>
@@ -456,7 +898,7 @@
           <a:p>
             <a:fld id="{1238BF01-9D0D-094E-B87C-302B081660A8}" type="datetimeFigureOut">
               <a:rPr lang="en-US" smtClean="0"/>
-              <a:t>10/22/19</a:t>
+              <a:t>10/31/19</a:t>
             </a:fld>
             <a:endParaRPr lang="en-US"/>
           </a:p>
@@ -666,7 +1108,7 @@
           <a:p>
             <a:fld id="{1238BF01-9D0D-094E-B87C-302B081660A8}" type="datetimeFigureOut">
               <a:rPr lang="en-US" smtClean="0"/>
-              <a:t>10/22/19</a:t>
+              <a:t>10/31/19</a:t>
             </a:fld>
             <a:endParaRPr lang="en-US"/>
           </a:p>
@@ -866,7 +1308,7 @@
           <a:p>
             <a:fld id="{1238BF01-9D0D-094E-B87C-302B081660A8}" type="datetimeFigureOut">
               <a:rPr lang="en-US" smtClean="0"/>
-              <a:t>10/22/19</a:t>
+              <a:t>10/31/19</a:t>
             </a:fld>
             <a:endParaRPr lang="en-US"/>
           </a:p>
@@ -1142,7 +1584,7 @@
           <a:p>
             <a:fld id="{1238BF01-9D0D-094E-B87C-302B081660A8}" type="datetimeFigureOut">
               <a:rPr lang="en-US" smtClean="0"/>
-              <a:t>10/22/19</a:t>
+              <a:t>10/31/19</a:t>
             </a:fld>
             <a:endParaRPr lang="en-US"/>
           </a:p>
@@ -1410,7 +1852,7 @@
           <a:p>
             <a:fld id="{1238BF01-9D0D-094E-B87C-302B081660A8}" type="datetimeFigureOut">
               <a:rPr lang="en-US" smtClean="0"/>
-              <a:t>10/22/19</a:t>
+              <a:t>10/31/19</a:t>
             </a:fld>
             <a:endParaRPr lang="en-US"/>
           </a:p>
@@ -1825,7 +2267,7 @@
           <a:p>
             <a:fld id="{1238BF01-9D0D-094E-B87C-302B081660A8}" type="datetimeFigureOut">
               <a:rPr lang="en-US" smtClean="0"/>
-              <a:t>10/22/19</a:t>
+              <a:t>10/31/19</a:t>
             </a:fld>
             <a:endParaRPr lang="en-US"/>
           </a:p>
@@ -1967,7 +2409,7 @@
           <a:p>
             <a:fld id="{1238BF01-9D0D-094E-B87C-302B081660A8}" type="datetimeFigureOut">
               <a:rPr lang="en-US" smtClean="0"/>
-              <a:t>10/22/19</a:t>
+              <a:t>10/31/19</a:t>
             </a:fld>
             <a:endParaRPr lang="en-US"/>
           </a:p>
@@ -2080,7 +2522,7 @@
           <a:p>
             <a:fld id="{1238BF01-9D0D-094E-B87C-302B081660A8}" type="datetimeFigureOut">
               <a:rPr lang="en-US" smtClean="0"/>
-              <a:t>10/22/19</a:t>
+              <a:t>10/31/19</a:t>
             </a:fld>
             <a:endParaRPr lang="en-US"/>
           </a:p>
@@ -2393,7 +2835,7 @@
           <a:p>
             <a:fld id="{1238BF01-9D0D-094E-B87C-302B081660A8}" type="datetimeFigureOut">
               <a:rPr lang="en-US" smtClean="0"/>
-              <a:t>10/22/19</a:t>
+              <a:t>10/31/19</a:t>
             </a:fld>
             <a:endParaRPr lang="en-US"/>
           </a:p>
@@ -2682,7 +3124,7 @@
           <a:p>
             <a:fld id="{1238BF01-9D0D-094E-B87C-302B081660A8}" type="datetimeFigureOut">
               <a:rPr lang="en-US" smtClean="0"/>
-              <a:t>10/22/19</a:t>
+              <a:t>10/31/19</a:t>
             </a:fld>
             <a:endParaRPr lang="en-US"/>
           </a:p>
@@ -2925,7 +3367,7 @@
           <a:p>
             <a:fld id="{1238BF01-9D0D-094E-B87C-302B081660A8}" type="datetimeFigureOut">
               <a:rPr lang="en-US" smtClean="0"/>
-              <a:t>10/22/19</a:t>
+              <a:t>10/31/19</a:t>
             </a:fld>
             <a:endParaRPr lang="en-US"/>
           </a:p>
@@ -3344,10 +3786,10 @@
       </p:grpSpPr>
       <p:grpSp>
         <p:nvGrpSpPr>
-          <p:cNvPr id="4" name="Group 3">
+          <p:cNvPr id="108" name="Group 107">
             <a:extLst>
               <a:ext uri="{FF2B5EF4-FFF2-40B4-BE49-F238E27FC236}">
-                <a16:creationId xmlns:a16="http://schemas.microsoft.com/office/drawing/2014/main" id="{EB00EB98-EDC0-834E-B90D-D584EAED5B4C}"/>
+                <a16:creationId xmlns:a16="http://schemas.microsoft.com/office/drawing/2014/main" id="{A57A4CCC-4F33-1546-B814-44BF3EEB1D2A}"/>
               </a:ext>
             </a:extLst>
           </p:cNvPr>
@@ -3356,10 +3798,10 @@
         </p:nvGrpSpPr>
         <p:grpSpPr>
           <a:xfrm>
-            <a:off x="35890" y="27367"/>
-            <a:ext cx="11994708" cy="6861996"/>
-            <a:chOff x="35890" y="27367"/>
-            <a:chExt cx="11994708" cy="6861996"/>
+            <a:off x="98646" y="22069"/>
+            <a:ext cx="11994708" cy="6862229"/>
+            <a:chOff x="0" y="514023"/>
+            <a:chExt cx="11994708" cy="6862229"/>
           </a:xfrm>
         </p:grpSpPr>
         <p:cxnSp>
@@ -3379,7 +3821,7 @@
           </p:nvCxnSpPr>
           <p:spPr>
             <a:xfrm flipH="1">
-              <a:off x="1946484" y="6470044"/>
+              <a:off x="1910594" y="6956933"/>
               <a:ext cx="1927503" cy="0"/>
             </a:xfrm>
             <a:prstGeom prst="straightConnector1">
@@ -3387,7 +3829,7 @@
             </a:prstGeom>
             <a:ln>
               <a:solidFill>
-                <a:srgbClr val="FED39C"/>
+                <a:schemeClr val="accent2"/>
               </a:solidFill>
               <a:prstDash val="sysDash"/>
               <a:tailEnd type="triangle"/>
@@ -3425,7 +3867,7 @@
           </p:nvCxnSpPr>
           <p:spPr>
             <a:xfrm flipH="1">
-              <a:off x="3935921" y="6382015"/>
+              <a:off x="3900031" y="6868904"/>
               <a:ext cx="1643575" cy="0"/>
             </a:xfrm>
             <a:prstGeom prst="straightConnector1">
@@ -3470,7 +3912,7 @@
           </p:nvCxnSpPr>
           <p:spPr>
             <a:xfrm flipH="1" flipV="1">
-              <a:off x="5639756" y="6312620"/>
+              <a:off x="5603866" y="6799509"/>
               <a:ext cx="1799983" cy="0"/>
             </a:xfrm>
             <a:prstGeom prst="straightConnector1">
@@ -3478,10 +3920,7 @@
             </a:prstGeom>
             <a:ln>
               <a:solidFill>
-                <a:schemeClr val="accent1">
-                  <a:lumMod val="20000"/>
-                  <a:lumOff val="80000"/>
-                </a:schemeClr>
+                <a:schemeClr val="tx2"/>
               </a:solidFill>
               <a:prstDash val="sysDash"/>
               <a:tailEnd type="triangle"/>
@@ -3516,7 +3955,7 @@
           </p:nvCxnSpPr>
           <p:spPr>
             <a:xfrm flipH="1">
-              <a:off x="7517902" y="6276620"/>
+              <a:off x="7482012" y="6763509"/>
               <a:ext cx="1494951" cy="0"/>
             </a:xfrm>
             <a:prstGeom prst="straightConnector1">
@@ -3524,10 +3963,7 @@
             </a:prstGeom>
             <a:ln>
               <a:solidFill>
-                <a:schemeClr val="accent4">
-                  <a:lumMod val="60000"/>
-                  <a:lumOff val="40000"/>
-                </a:schemeClr>
+                <a:srgbClr val="C00000"/>
               </a:solidFill>
               <a:prstDash val="sysDash"/>
               <a:tailEnd type="triangle"/>
@@ -3564,7 +4000,7 @@
           </p:nvCxnSpPr>
           <p:spPr>
             <a:xfrm>
-              <a:off x="9043034" y="3387787"/>
+              <a:off x="9007144" y="3874676"/>
               <a:ext cx="156600" cy="0"/>
             </a:xfrm>
             <a:prstGeom prst="line">
@@ -3610,7 +4046,7 @@
           </p:nvCxnSpPr>
           <p:spPr>
             <a:xfrm flipH="1">
-              <a:off x="9129844" y="5343904"/>
+              <a:off x="9093954" y="5830793"/>
               <a:ext cx="1420012" cy="0"/>
             </a:xfrm>
             <a:prstGeom prst="straightConnector1">
@@ -3657,7 +4093,7 @@
           </p:nvCxnSpPr>
           <p:spPr>
             <a:xfrm rot="16200000" flipH="1">
-              <a:off x="8961812" y="4848272"/>
+              <a:off x="8925922" y="5335161"/>
               <a:ext cx="146040" cy="190872"/>
             </a:xfrm>
             <a:prstGeom prst="curvedConnector4">
@@ -3708,8 +4144,8 @@
           </p:nvCxnSpPr>
           <p:spPr>
             <a:xfrm flipH="1">
-              <a:off x="10569508" y="4158642"/>
-              <a:ext cx="8505" cy="1058241"/>
+              <a:off x="10533618" y="4645531"/>
+              <a:ext cx="0" cy="1058241"/>
             </a:xfrm>
             <a:prstGeom prst="line">
               <a:avLst/>
@@ -3754,7 +4190,7 @@
           </p:nvCxnSpPr>
           <p:spPr>
             <a:xfrm rot="16200000" flipH="1">
-              <a:off x="5531832" y="1228566"/>
+              <a:off x="5495942" y="1715455"/>
               <a:ext cx="146040" cy="190872"/>
             </a:xfrm>
             <a:prstGeom prst="curvedConnector4">
@@ -3765,10 +4201,7 @@
             </a:prstGeom>
             <a:ln>
               <a:solidFill>
-                <a:schemeClr val="accent1">
-                  <a:lumMod val="20000"/>
-                  <a:lumOff val="80000"/>
-                </a:schemeClr>
+                <a:schemeClr val="tx2"/>
               </a:solidFill>
               <a:tailEnd type="triangle"/>
             </a:ln>
@@ -3802,17 +4235,19 @@
           </p:nvSpPr>
           <p:spPr>
             <a:xfrm>
-              <a:off x="409733" y="262179"/>
-              <a:ext cx="127277" cy="6588000"/>
+              <a:off x="392893" y="1165968"/>
+              <a:ext cx="127277" cy="6171100"/>
             </a:xfrm>
             <a:prstGeom prst="rect">
               <a:avLst/>
             </a:prstGeom>
-            <a:noFill/>
+            <a:solidFill>
+              <a:schemeClr val="bg1"/>
+            </a:solidFill>
             <a:ln>
               <a:solidFill>
-                <a:schemeClr val="bg2">
-                  <a:lumMod val="90000"/>
+                <a:schemeClr val="bg1">
+                  <a:lumMod val="50000"/>
                 </a:schemeClr>
               </a:solidFill>
             </a:ln>
@@ -3859,7 +4294,7 @@
           </p:nvSpPr>
           <p:spPr>
             <a:xfrm>
-              <a:off x="143882" y="27367"/>
+              <a:off x="98863" y="514256"/>
               <a:ext cx="715337" cy="263732"/>
             </a:xfrm>
             <a:prstGeom prst="rect">
@@ -3870,6 +4305,13 @@
                 <a:lumMod val="90000"/>
               </a:schemeClr>
             </a:solidFill>
+            <a:ln>
+              <a:solidFill>
+                <a:schemeClr val="bg1">
+                  <a:lumMod val="50000"/>
+                </a:schemeClr>
+              </a:solidFill>
+            </a:ln>
           </p:spPr>
           <p:txBody>
             <a:bodyPr wrap="square" rtlCol="0" anchor="ctr">
@@ -3879,7 +4321,7 @@
             <a:p>
               <a:pPr algn="ctr"/>
               <a:r>
-                <a:rPr lang="en-US" sz="1100">
+                <a:rPr lang="en-US" sz="1100" dirty="0">
                   <a:latin typeface="Arial" panose="020B0604020202020204" pitchFamily="34" charset="0"/>
                   <a:cs typeface="Arial" panose="020B0604020202020204" pitchFamily="34" charset="0"/>
                 </a:rPr>
@@ -3904,7 +4346,7 @@
           </p:nvCxnSpPr>
           <p:spPr>
             <a:xfrm>
-              <a:off x="557703" y="557159"/>
+              <a:off x="528138" y="1165968"/>
               <a:ext cx="1247907" cy="0"/>
             </a:xfrm>
             <a:prstGeom prst="straightConnector1">
@@ -3912,8 +4354,8 @@
             </a:prstGeom>
             <a:ln>
               <a:solidFill>
-                <a:schemeClr val="bg2">
-                  <a:lumMod val="90000"/>
+                <a:schemeClr val="bg1">
+                  <a:lumMod val="50000"/>
                 </a:schemeClr>
               </a:solidFill>
               <a:tailEnd type="triangle"/>
@@ -3948,7 +4390,7 @@
           </p:nvSpPr>
           <p:spPr>
             <a:xfrm>
-              <a:off x="859219" y="6303719"/>
+              <a:off x="823329" y="6790608"/>
               <a:ext cx="516980" cy="263732"/>
             </a:xfrm>
             <a:prstGeom prst="rect">
@@ -3988,7 +4430,7 @@
           </p:nvCxnSpPr>
           <p:spPr>
             <a:xfrm flipH="1">
-              <a:off x="537010" y="6534280"/>
+              <a:off x="501120" y="7021169"/>
               <a:ext cx="1260317" cy="0"/>
             </a:xfrm>
             <a:prstGeom prst="straightConnector1">
@@ -3996,8 +4438,8 @@
             </a:prstGeom>
             <a:ln>
               <a:solidFill>
-                <a:schemeClr val="bg2">
-                  <a:lumMod val="90000"/>
+                <a:schemeClr val="bg1">
+                  <a:lumMod val="50000"/>
                 </a:schemeClr>
               </a:solidFill>
               <a:prstDash val="sysDash"/>
@@ -4033,16 +4475,18 @@
           </p:nvSpPr>
           <p:spPr>
             <a:xfrm>
-              <a:off x="1805610" y="496048"/>
-              <a:ext cx="148476" cy="6048000"/>
+              <a:off x="1769720" y="1160933"/>
+              <a:ext cx="156020" cy="5870003"/>
             </a:xfrm>
             <a:prstGeom prst="rect">
               <a:avLst/>
             </a:prstGeom>
-            <a:noFill/>
+            <a:solidFill>
+              <a:schemeClr val="bg1"/>
+            </a:solidFill>
             <a:ln>
               <a:solidFill>
-                <a:srgbClr val="FED39C"/>
+                <a:schemeClr val="accent2"/>
               </a:solidFill>
             </a:ln>
           </p:spPr>
@@ -4088,7 +4532,7 @@
           </p:nvSpPr>
           <p:spPr>
             <a:xfrm>
-              <a:off x="1117709" y="27367"/>
+              <a:off x="1081819" y="514256"/>
               <a:ext cx="1526857" cy="263732"/>
             </a:xfrm>
             <a:prstGeom prst="rect">
@@ -4099,10 +4543,7 @@
             </a:solidFill>
             <a:ln>
               <a:solidFill>
-                <a:schemeClr val="accent4">
-                  <a:lumMod val="40000"/>
-                  <a:lumOff val="60000"/>
-                </a:schemeClr>
+                <a:schemeClr val="accent2"/>
               </a:solidFill>
             </a:ln>
           </p:spPr>
@@ -4114,12 +4555,23 @@
             <a:p>
               <a:pPr algn="ctr"/>
               <a:r>
-                <a:rPr lang="en-US" sz="1100">
+                <a:rPr lang="en-US" sz="1100" dirty="0">
                   <a:latin typeface="Arial" panose="020B0604020202020204" pitchFamily="34" charset="0"/>
                   <a:cs typeface="Arial" panose="020B0604020202020204" pitchFamily="34" charset="0"/>
                 </a:rPr>
-                <a:t>:editBondCommand</a:t>
+                <a:t>:</a:t>
               </a:r>
+              <a:r>
+                <a:rPr lang="en-US" sz="1100" dirty="0" err="1">
+                  <a:latin typeface="Arial" panose="020B0604020202020204" pitchFamily="34" charset="0"/>
+                  <a:cs typeface="Arial" panose="020B0604020202020204" pitchFamily="34" charset="0"/>
+                </a:rPr>
+                <a:t>editBondCommand</a:t>
+              </a:r>
+              <a:endParaRPr lang="en-US" sz="1100" dirty="0">
+                <a:latin typeface="Arial" panose="020B0604020202020204" pitchFamily="34" charset="0"/>
+                <a:cs typeface="Arial" panose="020B0604020202020204" pitchFamily="34" charset="0"/>
+              </a:endParaRPr>
             </a:p>
           </p:txBody>
         </p:sp>
@@ -4140,17 +4592,18 @@
             <p:nvPr/>
           </p:nvCxnSpPr>
           <p:spPr>
-            <a:xfrm flipH="1">
-              <a:off x="1879848" y="291099"/>
-              <a:ext cx="1290" cy="204949"/>
+            <a:xfrm>
+              <a:off x="1845248" y="777988"/>
+              <a:ext cx="2482" cy="382945"/>
             </a:xfrm>
             <a:prstGeom prst="line">
               <a:avLst/>
             </a:prstGeom>
             <a:ln>
               <a:solidFill>
-                <a:srgbClr val="FED39C"/>
+                <a:schemeClr val="accent2"/>
               </a:solidFill>
+              <a:prstDash val="sysDash"/>
             </a:ln>
           </p:spPr>
           <p:style>
@@ -4182,7 +4635,7 @@
           </p:nvSpPr>
           <p:spPr>
             <a:xfrm>
-              <a:off x="3809920" y="674044"/>
+              <a:off x="3774030" y="1160933"/>
               <a:ext cx="128133" cy="5796000"/>
             </a:xfrm>
             <a:prstGeom prst="rect">
@@ -4239,7 +4692,7 @@
           </p:nvSpPr>
           <p:spPr>
             <a:xfrm>
-              <a:off x="3515253" y="27367"/>
+              <a:off x="3479363" y="514256"/>
               <a:ext cx="715337" cy="263732"/>
             </a:xfrm>
             <a:prstGeom prst="rect">
@@ -4280,7 +4733,7 @@
           </p:nvSpPr>
           <p:spPr>
             <a:xfrm>
-              <a:off x="1956798" y="294918"/>
+              <a:off x="1920908" y="781807"/>
               <a:ext cx="1927503" cy="434382"/>
             </a:xfrm>
             <a:prstGeom prst="rect">
@@ -4295,29 +4748,64 @@
             <a:lstStyle/>
             <a:p>
               <a:r>
-                <a:rPr lang="en-US" sz="1100">
+                <a:rPr lang="en-US" sz="1100" dirty="0" err="1">
                   <a:latin typeface="Arial" panose="020B0604020202020204" pitchFamily="34" charset="0"/>
                   <a:cs typeface="Arial" panose="020B0604020202020204" pitchFamily="34" charset="0"/>
                 </a:rPr>
-                <a:t>profileEditBond(</a:t>
+                <a:t>profileEditBond</a:t>
               </a:r>
               <a:r>
-                <a:rPr lang="en-SG" sz="1100">
+                <a:rPr lang="en-US" sz="1100" dirty="0">
                   <a:latin typeface="Arial" panose="020B0604020202020204" pitchFamily="34" charset="0"/>
                   <a:cs typeface="Arial" panose="020B0604020202020204" pitchFamily="34" charset="0"/>
                 </a:rPr>
-                <a:t>bankName, </a:t>
+                <a:t>(</a:t>
+              </a:r>
+              <a:r>
+                <a:rPr lang="en-SG" sz="1100" dirty="0" err="1">
+                  <a:latin typeface="Arial" panose="020B0604020202020204" pitchFamily="34" charset="0"/>
+                  <a:cs typeface="Arial" panose="020B0604020202020204" pitchFamily="34" charset="0"/>
+                </a:rPr>
+                <a:t>bankName</a:t>
+              </a:r>
+              <a:r>
+                <a:rPr lang="en-SG" sz="1100" dirty="0">
+                  <a:latin typeface="Arial" panose="020B0604020202020204" pitchFamily="34" charset="0"/>
+                  <a:cs typeface="Arial" panose="020B0604020202020204" pitchFamily="34" charset="0"/>
+                </a:rPr>
+                <a:t>, </a:t>
               </a:r>
             </a:p>
             <a:p>
               <a:r>
-                <a:rPr lang="en-SG" sz="1100">
+                <a:rPr lang="en-SG" sz="1100" dirty="0" err="1">
                   <a:latin typeface="Arial" panose="020B0604020202020204" pitchFamily="34" charset="0"/>
                   <a:cs typeface="Arial" panose="020B0604020202020204" pitchFamily="34" charset="0"/>
                 </a:rPr>
-                <a:t>bondName, year, rate, ui)</a:t>
+                <a:t>bondName</a:t>
               </a:r>
-              <a:endParaRPr lang="en-US" sz="1100">
+              <a:r>
+                <a:rPr lang="en-SG" sz="1100" dirty="0">
+                  <a:latin typeface="Arial" panose="020B0604020202020204" pitchFamily="34" charset="0"/>
+                  <a:cs typeface="Arial" panose="020B0604020202020204" pitchFamily="34" charset="0"/>
+                </a:rPr>
+                <a:t>, year, rate, </a:t>
+              </a:r>
+              <a:r>
+                <a:rPr lang="en-SG" sz="1100" dirty="0" err="1">
+                  <a:latin typeface="Arial" panose="020B0604020202020204" pitchFamily="34" charset="0"/>
+                  <a:cs typeface="Arial" panose="020B0604020202020204" pitchFamily="34" charset="0"/>
+                </a:rPr>
+                <a:t>ui</a:t>
+              </a:r>
+              <a:r>
+                <a:rPr lang="en-SG" sz="1100" dirty="0">
+                  <a:latin typeface="Arial" panose="020B0604020202020204" pitchFamily="34" charset="0"/>
+                  <a:cs typeface="Arial" panose="020B0604020202020204" pitchFamily="34" charset="0"/>
+                </a:rPr>
+                <a:t>)</a:t>
+              </a:r>
+              <a:endParaRPr lang="en-US" sz="1100" dirty="0">
                 <a:latin typeface="Arial" panose="020B0604020202020204" pitchFamily="34" charset="0"/>
                 <a:cs typeface="Arial" panose="020B0604020202020204" pitchFamily="34" charset="0"/>
               </a:endParaRPr>
@@ -4340,7 +4828,7 @@
           </p:nvCxnSpPr>
           <p:spPr>
             <a:xfrm>
-              <a:off x="1961630" y="674044"/>
+              <a:off x="1925740" y="1160933"/>
               <a:ext cx="1848291" cy="1"/>
             </a:xfrm>
             <a:prstGeom prst="straightConnector1">
@@ -4348,7 +4836,7 @@
             </a:prstGeom>
             <a:ln>
               <a:solidFill>
-                <a:srgbClr val="FED39C"/>
+                <a:schemeClr val="accent2"/>
               </a:solidFill>
               <a:tailEnd type="triangle"/>
             </a:ln>
@@ -4386,7 +4874,7 @@
           </p:nvCxnSpPr>
           <p:spPr>
             <a:xfrm>
-              <a:off x="3872922" y="291099"/>
+              <a:off x="3837032" y="777988"/>
               <a:ext cx="1065" cy="382945"/>
             </a:xfrm>
             <a:prstGeom prst="line">
@@ -4425,7 +4913,7 @@
           </p:nvSpPr>
           <p:spPr>
             <a:xfrm>
-              <a:off x="4930656" y="27367"/>
+              <a:off x="4894766" y="514256"/>
               <a:ext cx="1304435" cy="273634"/>
             </a:xfrm>
             <a:prstGeom prst="rect">
@@ -4437,6 +4925,11 @@
                 <a:lumOff val="80000"/>
               </a:schemeClr>
             </a:solidFill>
+            <a:ln>
+              <a:solidFill>
+                <a:schemeClr val="tx2"/>
+              </a:solidFill>
+            </a:ln>
           </p:spPr>
           <p:txBody>
             <a:bodyPr wrap="square" rtlCol="0" anchor="ctr">
@@ -4446,12 +4939,23 @@
             <a:p>
               <a:pPr algn="ctr"/>
               <a:r>
-                <a:rPr lang="en-US" sz="1100">
+                <a:rPr lang="en-US" sz="1100" dirty="0">
                   <a:latin typeface="Arial" panose="020B0604020202020204" pitchFamily="34" charset="0"/>
                   <a:cs typeface="Arial" panose="020B0604020202020204" pitchFamily="34" charset="0"/>
                 </a:rPr>
-                <a:t>:BankList</a:t>
+                <a:t>:</a:t>
               </a:r>
+              <a:r>
+                <a:rPr lang="en-US" sz="1100" dirty="0" err="1">
+                  <a:latin typeface="Arial" panose="020B0604020202020204" pitchFamily="34" charset="0"/>
+                  <a:cs typeface="Arial" panose="020B0604020202020204" pitchFamily="34" charset="0"/>
+                </a:rPr>
+                <a:t>BankList</a:t>
+              </a:r>
+              <a:endParaRPr lang="en-US" sz="1100" dirty="0">
+                <a:latin typeface="Arial" panose="020B0604020202020204" pitchFamily="34" charset="0"/>
+                <a:cs typeface="Arial" panose="020B0604020202020204" pitchFamily="34" charset="0"/>
+              </a:endParaRPr>
             </a:p>
           </p:txBody>
         </p:sp>
@@ -4473,7 +4977,7 @@
           </p:nvCxnSpPr>
           <p:spPr>
             <a:xfrm flipH="1">
-              <a:off x="5579496" y="301001"/>
+              <a:off x="5543606" y="787890"/>
               <a:ext cx="3378" cy="573014"/>
             </a:xfrm>
             <a:prstGeom prst="line">
@@ -4481,10 +4985,7 @@
             </a:prstGeom>
             <a:ln>
               <a:solidFill>
-                <a:schemeClr val="accent1">
-                  <a:lumMod val="40000"/>
-                  <a:lumOff val="60000"/>
-                </a:schemeClr>
+                <a:schemeClr val="tx2"/>
               </a:solidFill>
               <a:prstDash val="sysDash"/>
             </a:ln>
@@ -4518,7 +5019,7 @@
           </p:nvSpPr>
           <p:spPr>
             <a:xfrm>
-              <a:off x="5519236" y="874015"/>
+              <a:off x="5483346" y="1360904"/>
               <a:ext cx="120520" cy="5508000"/>
             </a:xfrm>
             <a:prstGeom prst="rect">
@@ -4529,10 +5030,7 @@
             </a:solidFill>
             <a:ln>
               <a:solidFill>
-                <a:schemeClr val="accent1">
-                  <a:lumMod val="20000"/>
-                  <a:lumOff val="80000"/>
-                </a:schemeClr>
+                <a:schemeClr val="tx2"/>
               </a:solidFill>
             </a:ln>
           </p:spPr>
@@ -4581,7 +5079,7 @@
           </p:nvCxnSpPr>
           <p:spPr>
             <a:xfrm>
-              <a:off x="5643592" y="1823014"/>
+              <a:off x="5607702" y="2309903"/>
               <a:ext cx="156600" cy="0"/>
             </a:xfrm>
             <a:prstGeom prst="line">
@@ -4589,10 +5087,7 @@
             </a:prstGeom>
             <a:ln>
               <a:solidFill>
-                <a:schemeClr val="accent1">
-                  <a:lumMod val="20000"/>
-                  <a:lumOff val="80000"/>
-                </a:schemeClr>
+                <a:schemeClr val="tx2"/>
               </a:solidFill>
               <a:prstDash val="sysDash"/>
             </a:ln>
@@ -4626,7 +5121,7 @@
           </p:nvSpPr>
           <p:spPr>
             <a:xfrm>
-              <a:off x="5582874" y="1413977"/>
+              <a:off x="5546984" y="1900866"/>
               <a:ext cx="121436" cy="409037"/>
             </a:xfrm>
             <a:prstGeom prst="rect">
@@ -4640,10 +5135,7 @@
             </a:solidFill>
             <a:ln>
               <a:solidFill>
-                <a:schemeClr val="accent1">
-                  <a:lumMod val="20000"/>
-                  <a:lumOff val="80000"/>
-                </a:schemeClr>
+                <a:schemeClr val="tx2"/>
               </a:solidFill>
             </a:ln>
           </p:spPr>
@@ -4691,7 +5183,7 @@
           </p:nvCxnSpPr>
           <p:spPr>
             <a:xfrm rot="10800000" flipV="1">
-              <a:off x="5632688" y="1818670"/>
+              <a:off x="5596798" y="2305559"/>
               <a:ext cx="160419" cy="83167"/>
             </a:xfrm>
             <a:prstGeom prst="curvedConnector3">
@@ -4701,10 +5193,7 @@
             </a:prstGeom>
             <a:ln>
               <a:solidFill>
-                <a:schemeClr val="accent1">
-                  <a:lumMod val="20000"/>
-                  <a:lumOff val="80000"/>
-                </a:schemeClr>
+                <a:schemeClr val="tx2"/>
               </a:solidFill>
               <a:prstDash val="sysDash"/>
               <a:tailEnd type="triangle"/>
@@ -4741,7 +5230,7 @@
           </p:nvCxnSpPr>
           <p:spPr>
             <a:xfrm>
-              <a:off x="3935921" y="874016"/>
+              <a:off x="3900031" y="1360905"/>
               <a:ext cx="1573494" cy="0"/>
             </a:xfrm>
             <a:prstGeom prst="straightConnector1">
@@ -4780,7 +5269,7 @@
           </p:nvSpPr>
           <p:spPr>
             <a:xfrm>
-              <a:off x="3920339" y="310521"/>
+              <a:off x="3884449" y="797410"/>
               <a:ext cx="1716959" cy="600164"/>
             </a:xfrm>
             <a:prstGeom prst="rect">
@@ -4795,20 +5284,66 @@
             <a:lstStyle/>
             <a:p>
               <a:r>
-                <a:rPr lang="en-US" sz="1100">
+                <a:rPr lang="en-US" sz="1100" dirty="0" err="1">
                   <a:latin typeface="Arial" panose="020B0604020202020204" pitchFamily="34" charset="0"/>
                   <a:cs typeface="Arial" panose="020B0604020202020204" pitchFamily="34" charset="0"/>
                 </a:rPr>
                 <a:t>bankListEditBond</a:t>
               </a:r>
+              <a:endParaRPr lang="en-US" sz="1100" dirty="0">
+                <a:latin typeface="Arial" panose="020B0604020202020204" pitchFamily="34" charset="0"/>
+                <a:cs typeface="Arial" panose="020B0604020202020204" pitchFamily="34" charset="0"/>
+              </a:endParaRPr>
             </a:p>
             <a:p>
               <a:r>
-                <a:rPr lang="en-US" sz="1100">
+                <a:rPr lang="en-US" sz="1100" dirty="0">
                   <a:latin typeface="Arial" panose="020B0604020202020204" pitchFamily="34" charset="0"/>
                   <a:cs typeface="Arial" panose="020B0604020202020204" pitchFamily="34" charset="0"/>
                 </a:rPr>
-                <a:t>(bankName, bondName, year, rate, ui)</a:t>
+                <a:t>(</a:t>
+              </a:r>
+              <a:r>
+                <a:rPr lang="en-US" sz="1100" dirty="0" err="1">
+                  <a:latin typeface="Arial" panose="020B0604020202020204" pitchFamily="34" charset="0"/>
+                  <a:cs typeface="Arial" panose="020B0604020202020204" pitchFamily="34" charset="0"/>
+                </a:rPr>
+                <a:t>bankName</a:t>
+              </a:r>
+              <a:r>
+                <a:rPr lang="en-US" sz="1100" dirty="0">
+                  <a:latin typeface="Arial" panose="020B0604020202020204" pitchFamily="34" charset="0"/>
+                  <a:cs typeface="Arial" panose="020B0604020202020204" pitchFamily="34" charset="0"/>
+                </a:rPr>
+                <a:t>, </a:t>
+              </a:r>
+              <a:r>
+                <a:rPr lang="en-US" sz="1100" dirty="0" err="1">
+                  <a:latin typeface="Arial" panose="020B0604020202020204" pitchFamily="34" charset="0"/>
+                  <a:cs typeface="Arial" panose="020B0604020202020204" pitchFamily="34" charset="0"/>
+                </a:rPr>
+                <a:t>bondName</a:t>
+              </a:r>
+              <a:r>
+                <a:rPr lang="en-US" sz="1100" dirty="0">
+                  <a:latin typeface="Arial" panose="020B0604020202020204" pitchFamily="34" charset="0"/>
+                  <a:cs typeface="Arial" panose="020B0604020202020204" pitchFamily="34" charset="0"/>
+                </a:rPr>
+                <a:t>, year, rate, </a:t>
+              </a:r>
+              <a:r>
+                <a:rPr lang="en-US" sz="1100" dirty="0" err="1">
+                  <a:latin typeface="Arial" panose="020B0604020202020204" pitchFamily="34" charset="0"/>
+                  <a:cs typeface="Arial" panose="020B0604020202020204" pitchFamily="34" charset="0"/>
+                </a:rPr>
+                <a:t>ui</a:t>
+              </a:r>
+              <a:r>
+                <a:rPr lang="en-US" sz="1100" dirty="0">
+                  <a:latin typeface="Arial" panose="020B0604020202020204" pitchFamily="34" charset="0"/>
+                  <a:cs typeface="Arial" panose="020B0604020202020204" pitchFamily="34" charset="0"/>
+                </a:rPr>
+                <a:t>)</a:t>
               </a:r>
             </a:p>
           </p:txBody>
@@ -4827,7 +5362,7 @@
           </p:nvSpPr>
           <p:spPr>
             <a:xfrm>
-              <a:off x="4982471" y="981923"/>
+              <a:off x="4946581" y="1468812"/>
               <a:ext cx="467566" cy="263732"/>
             </a:xfrm>
             <a:prstGeom prst="rect">
@@ -4865,7 +5400,7 @@
           </p:nvSpPr>
           <p:spPr>
             <a:xfrm>
-              <a:off x="5604852" y="981923"/>
+              <a:off x="5568962" y="1468812"/>
               <a:ext cx="1769016" cy="263732"/>
             </a:xfrm>
             <a:prstGeom prst="rect">
@@ -4903,7 +5438,7 @@
           </p:nvSpPr>
           <p:spPr>
             <a:xfrm>
-              <a:off x="5763927" y="1197484"/>
+              <a:off x="5728037" y="1684373"/>
               <a:ext cx="1211717" cy="263732"/>
             </a:xfrm>
             <a:prstGeom prst="rect">
@@ -4941,7 +5476,7 @@
           </p:nvSpPr>
           <p:spPr>
             <a:xfrm>
-              <a:off x="5800192" y="1676777"/>
+              <a:off x="5764302" y="2163666"/>
               <a:ext cx="899962" cy="263732"/>
             </a:xfrm>
             <a:prstGeom prst="rect">
@@ -4979,18 +5514,20 @@
           </p:nvSpPr>
           <p:spPr>
             <a:xfrm>
-              <a:off x="6909394" y="27367"/>
+              <a:off x="6873504" y="514256"/>
               <a:ext cx="1047883" cy="263732"/>
             </a:xfrm>
             <a:prstGeom prst="rect">
               <a:avLst/>
             </a:prstGeom>
             <a:solidFill>
-              <a:schemeClr val="accent4">
-                <a:lumMod val="60000"/>
-                <a:lumOff val="40000"/>
-              </a:schemeClr>
+              <a:srgbClr val="C00000"/>
             </a:solidFill>
+            <a:ln>
+              <a:solidFill>
+                <a:srgbClr val="C00000"/>
+              </a:solidFill>
+            </a:ln>
           </p:spPr>
           <p:txBody>
             <a:bodyPr wrap="square" rtlCol="0" anchor="ctr">
@@ -5000,7 +5537,10 @@
             <a:p>
               <a:pPr algn="ctr"/>
               <a:r>
-                <a:rPr lang="en-US" sz="1100">
+                <a:rPr lang="en-US" sz="1100" dirty="0">
+                  <a:solidFill>
+                    <a:schemeClr val="bg1"/>
+                  </a:solidFill>
                   <a:latin typeface="Arial" panose="020B0604020202020204" pitchFamily="34" charset="0"/>
                   <a:cs typeface="Arial" panose="020B0604020202020204" pitchFamily="34" charset="0"/>
                 </a:rPr>
@@ -5025,7 +5565,7 @@
           </p:nvCxnSpPr>
           <p:spPr>
             <a:xfrm>
-              <a:off x="5643592" y="2320685"/>
+              <a:off x="5607702" y="2807574"/>
               <a:ext cx="1726108" cy="0"/>
             </a:xfrm>
             <a:prstGeom prst="straightConnector1">
@@ -5033,10 +5573,7 @@
             </a:prstGeom>
             <a:ln>
               <a:solidFill>
-                <a:schemeClr val="accent1">
-                  <a:lumMod val="20000"/>
-                  <a:lumOff val="80000"/>
-                </a:schemeClr>
+                <a:schemeClr val="tx2"/>
               </a:solidFill>
               <a:tailEnd type="triangle"/>
             </a:ln>
@@ -5070,7 +5607,7 @@
           </p:nvSpPr>
           <p:spPr>
             <a:xfrm>
-              <a:off x="5582873" y="1941449"/>
+              <a:off x="5546983" y="2428338"/>
               <a:ext cx="2174656" cy="434382"/>
             </a:xfrm>
             <a:prstGeom prst="rect">
@@ -5117,7 +5654,7 @@
           </p:nvSpPr>
           <p:spPr>
             <a:xfrm>
-              <a:off x="8489533" y="27367"/>
+              <a:off x="8453643" y="514256"/>
               <a:ext cx="1047883" cy="263732"/>
             </a:xfrm>
             <a:prstGeom prst="rect">
@@ -5167,7 +5704,7 @@
           </p:nvSpPr>
           <p:spPr>
             <a:xfrm>
-              <a:off x="7994940" y="2454375"/>
+              <a:off x="7959050" y="2941264"/>
               <a:ext cx="961030" cy="434382"/>
             </a:xfrm>
             <a:prstGeom prst="rect">
@@ -5205,7 +5742,7 @@
           </p:nvSpPr>
           <p:spPr>
             <a:xfrm rot="10800000" flipH="1">
-              <a:off x="4974118" y="996321"/>
+              <a:off x="4938228" y="1483210"/>
               <a:ext cx="421265" cy="263729"/>
             </a:xfrm>
             <a:prstGeom prst="snipRoundRect">
@@ -5258,7 +5795,7 @@
           </p:nvSpPr>
           <p:spPr>
             <a:xfrm>
-              <a:off x="11102368" y="29158"/>
+              <a:off x="11094319" y="514023"/>
               <a:ext cx="801526" cy="263732"/>
             </a:xfrm>
             <a:prstGeom prst="rect">
@@ -5270,6 +5807,11 @@
                 <a:lumOff val="40000"/>
               </a:schemeClr>
             </a:solidFill>
+            <a:ln>
+              <a:solidFill>
+                <a:schemeClr val="accent6"/>
+              </a:solidFill>
+            </a:ln>
           </p:spPr>
           <p:txBody>
             <a:bodyPr wrap="square" rtlCol="0" anchor="ctr">
@@ -5279,7 +5821,7 @@
             <a:p>
               <a:pPr algn="ctr"/>
               <a:r>
-                <a:rPr lang="en-US" sz="1100">
+                <a:rPr lang="en-US" sz="1100" dirty="0">
                   <a:latin typeface="Arial" panose="020B0604020202020204" pitchFamily="34" charset="0"/>
                   <a:cs typeface="Arial" panose="020B0604020202020204" pitchFamily="34" charset="0"/>
                 </a:rPr>
@@ -5305,19 +5847,16 @@
             <p:nvPr/>
           </p:nvCxnSpPr>
           <p:spPr>
-            <a:xfrm>
-              <a:off x="11503131" y="292890"/>
-              <a:ext cx="35890" cy="4229001"/>
+            <a:xfrm flipH="1">
+              <a:off x="11473694" y="777755"/>
+              <a:ext cx="0" cy="4264837"/>
             </a:xfrm>
             <a:prstGeom prst="line">
               <a:avLst/>
             </a:prstGeom>
             <a:ln>
               <a:solidFill>
-                <a:schemeClr val="accent6">
-                  <a:lumMod val="60000"/>
-                  <a:lumOff val="40000"/>
-                </a:schemeClr>
+                <a:schemeClr val="accent6"/>
               </a:solidFill>
               <a:prstDash val="sysDash"/>
             </a:ln>
@@ -5354,19 +5893,16 @@
             <p:nvPr/>
           </p:nvCxnSpPr>
           <p:spPr>
-            <a:xfrm flipH="1">
-              <a:off x="11512048" y="4696541"/>
-              <a:ext cx="26973" cy="1031727"/>
+            <a:xfrm>
+              <a:off x="11473694" y="5183430"/>
+              <a:ext cx="2465" cy="1031727"/>
             </a:xfrm>
             <a:prstGeom prst="line">
               <a:avLst/>
             </a:prstGeom>
             <a:ln>
               <a:solidFill>
-                <a:schemeClr val="accent6">
-                  <a:lumMod val="60000"/>
-                  <a:lumOff val="40000"/>
-                </a:schemeClr>
+                <a:schemeClr val="accent6"/>
               </a:solidFill>
               <a:prstDash val="sysDash"/>
             </a:ln>
@@ -5403,18 +5939,15 @@
           </p:nvCxnSpPr>
           <p:spPr>
             <a:xfrm>
-              <a:off x="11512048" y="5902672"/>
-              <a:ext cx="1" cy="946249"/>
+              <a:off x="11476159" y="6389561"/>
+              <a:ext cx="0" cy="986691"/>
             </a:xfrm>
             <a:prstGeom prst="line">
               <a:avLst/>
             </a:prstGeom>
             <a:ln>
               <a:solidFill>
-                <a:schemeClr val="accent6">
-                  <a:lumMod val="60000"/>
-                  <a:lumOff val="40000"/>
-                </a:schemeClr>
+                <a:schemeClr val="accent6"/>
               </a:solidFill>
               <a:prstDash val="sysDash"/>
             </a:ln>
@@ -5448,7 +5981,7 @@
           </p:nvSpPr>
           <p:spPr>
             <a:xfrm>
-              <a:off x="10168745" y="30437"/>
+              <a:off x="10132855" y="517326"/>
               <a:ext cx="801526" cy="263732"/>
             </a:xfrm>
             <a:prstGeom prst="rect">
@@ -5501,7 +6034,7 @@
           </p:nvCxnSpPr>
           <p:spPr>
             <a:xfrm flipH="1">
-              <a:off x="8980866" y="312228"/>
+              <a:off x="8944976" y="799117"/>
               <a:ext cx="1" cy="2029586"/>
             </a:xfrm>
             <a:prstGeom prst="line">
@@ -5548,8 +6081,8 @@
           </p:nvCxnSpPr>
           <p:spPr>
             <a:xfrm>
-              <a:off x="10561005" y="330516"/>
-              <a:ext cx="17008" cy="2765031"/>
+              <a:off x="10525115" y="817405"/>
+              <a:ext cx="0" cy="2765031"/>
             </a:xfrm>
             <a:prstGeom prst="line">
               <a:avLst/>
@@ -5594,7 +6127,7 @@
           </p:nvCxnSpPr>
           <p:spPr>
             <a:xfrm rot="16200000" flipH="1">
-              <a:off x="8944700" y="3618098"/>
+              <a:off x="8908810" y="4104987"/>
               <a:ext cx="146040" cy="190872"/>
             </a:xfrm>
             <a:prstGeom prst="curvedConnector4">
@@ -5643,7 +6176,7 @@
           </p:nvCxnSpPr>
           <p:spPr>
             <a:xfrm rot="16200000" flipH="1">
-              <a:off x="8948721" y="2493635"/>
+              <a:off x="8912831" y="2980524"/>
               <a:ext cx="146040" cy="190872"/>
             </a:xfrm>
             <a:prstGeom prst="curvedConnector4">
@@ -5690,7 +6223,7 @@
           </p:nvSpPr>
           <p:spPr>
             <a:xfrm>
-              <a:off x="8906411" y="2362943"/>
+              <a:off x="8870521" y="2849832"/>
               <a:ext cx="205267" cy="3924000"/>
             </a:xfrm>
             <a:prstGeom prst="rect">
@@ -5751,7 +6284,7 @@
           </p:nvCxnSpPr>
           <p:spPr>
             <a:xfrm flipH="1">
-              <a:off x="9112339" y="4153739"/>
+              <a:off x="9076449" y="4640628"/>
               <a:ext cx="1426703" cy="0"/>
             </a:xfrm>
             <a:prstGeom prst="straightConnector1">
@@ -5798,7 +6331,7 @@
           </p:nvCxnSpPr>
           <p:spPr>
             <a:xfrm flipH="1">
-              <a:off x="9117178" y="3292055"/>
+              <a:off x="9081288" y="3778944"/>
               <a:ext cx="1426703" cy="0"/>
             </a:xfrm>
             <a:prstGeom prst="straightConnector1">
@@ -5843,13 +6376,15 @@
           </p:nvSpPr>
           <p:spPr>
             <a:xfrm>
-              <a:off x="10513947" y="3095547"/>
+              <a:off x="10478057" y="3582436"/>
               <a:ext cx="128133" cy="195116"/>
             </a:xfrm>
             <a:prstGeom prst="rect">
               <a:avLst/>
             </a:prstGeom>
-            <a:noFill/>
+            <a:solidFill>
+              <a:schemeClr val="bg1"/>
+            </a:solidFill>
             <a:ln>
               <a:solidFill>
                 <a:schemeClr val="accent4">
@@ -5900,7 +6435,7 @@
           </p:nvSpPr>
           <p:spPr>
             <a:xfrm>
-              <a:off x="8999763" y="2664171"/>
+              <a:off x="8963873" y="3151060"/>
               <a:ext cx="124356" cy="717473"/>
             </a:xfrm>
             <a:prstGeom prst="rect">
@@ -5963,7 +6498,7 @@
           </p:nvCxnSpPr>
           <p:spPr>
             <a:xfrm rot="5400000">
-              <a:off x="9109396" y="3390679"/>
+              <a:off x="9073506" y="3877568"/>
               <a:ext cx="99257" cy="94449"/>
             </a:xfrm>
             <a:prstGeom prst="curvedConnector3">
@@ -6012,7 +6547,7 @@
           </p:nvCxnSpPr>
           <p:spPr>
             <a:xfrm>
-              <a:off x="9137426" y="3099240"/>
+              <a:off x="9101536" y="3586129"/>
               <a:ext cx="1384547" cy="0"/>
             </a:xfrm>
             <a:prstGeom prst="straightConnector1">
@@ -6056,7 +6591,7 @@
           </p:nvSpPr>
           <p:spPr>
             <a:xfrm>
-              <a:off x="8995741" y="3803508"/>
+              <a:off x="8959851" y="4290397"/>
               <a:ext cx="124573" cy="497383"/>
             </a:xfrm>
             <a:prstGeom prst="rect">
@@ -6117,13 +6652,15 @@
           </p:nvSpPr>
           <p:spPr>
             <a:xfrm>
-              <a:off x="10513947" y="4067912"/>
+              <a:off x="10478057" y="4554801"/>
               <a:ext cx="128133" cy="90730"/>
             </a:xfrm>
             <a:prstGeom prst="rect">
               <a:avLst/>
             </a:prstGeom>
-            <a:noFill/>
+            <a:solidFill>
+              <a:schemeClr val="bg1"/>
+            </a:solidFill>
             <a:ln>
               <a:solidFill>
                 <a:schemeClr val="accent4">
@@ -6178,7 +6715,7 @@
           </p:nvCxnSpPr>
           <p:spPr>
             <a:xfrm>
-              <a:off x="10578013" y="3290662"/>
+              <a:off x="10542123" y="3777551"/>
               <a:ext cx="0" cy="777249"/>
             </a:xfrm>
             <a:prstGeom prst="line">
@@ -6224,7 +6761,7 @@
           </p:nvCxnSpPr>
           <p:spPr>
             <a:xfrm>
-              <a:off x="9105424" y="4071339"/>
+              <a:off x="9069534" y="4558228"/>
               <a:ext cx="1423698" cy="0"/>
             </a:xfrm>
             <a:prstGeom prst="straightConnector1">
@@ -6268,7 +6805,7 @@
           </p:nvCxnSpPr>
           <p:spPr>
             <a:xfrm flipH="1">
-              <a:off x="7419993" y="301001"/>
+              <a:off x="7384103" y="787890"/>
               <a:ext cx="1" cy="2029586"/>
             </a:xfrm>
             <a:prstGeom prst="line">
@@ -6276,10 +6813,7 @@
             </a:prstGeom>
             <a:ln>
               <a:solidFill>
-                <a:schemeClr val="accent4">
-                  <a:lumMod val="60000"/>
-                  <a:lumOff val="40000"/>
-                </a:schemeClr>
+                <a:srgbClr val="C00000"/>
               </a:solidFill>
               <a:prstDash val="sysDash"/>
             </a:ln>
@@ -6313,7 +6847,7 @@
           </p:nvSpPr>
           <p:spPr>
             <a:xfrm>
-              <a:off x="7359237" y="2316620"/>
+              <a:off x="7323347" y="2803509"/>
               <a:ext cx="161003" cy="3996000"/>
             </a:xfrm>
             <a:prstGeom prst="rect">
@@ -6324,10 +6858,7 @@
             </a:solidFill>
             <a:ln>
               <a:solidFill>
-                <a:schemeClr val="accent4">
-                  <a:lumMod val="60000"/>
-                  <a:lumOff val="40000"/>
-                </a:schemeClr>
+                <a:srgbClr val="C00000"/>
               </a:solidFill>
             </a:ln>
           </p:spPr>
@@ -6373,7 +6904,7 @@
           </p:nvSpPr>
           <p:spPr>
             <a:xfrm>
-              <a:off x="7562305" y="1993085"/>
+              <a:off x="7526415" y="2479974"/>
               <a:ext cx="1529838" cy="434382"/>
             </a:xfrm>
             <a:prstGeom prst="rect">
@@ -6388,11 +6919,46 @@
             <a:lstStyle/>
             <a:p>
               <a:r>
-                <a:rPr lang="en-US" sz="1100">
+                <a:rPr lang="en-US" sz="1100" dirty="0" err="1">
                   <a:latin typeface="Arial" panose="020B0604020202020204" pitchFamily="34" charset="0"/>
                   <a:cs typeface="Arial" panose="020B0604020202020204" pitchFamily="34" charset="0"/>
                 </a:rPr>
-                <a:t>editBond(bondName, year, rate, ui)</a:t>
+                <a:t>editBond</a:t>
+              </a:r>
+              <a:r>
+                <a:rPr lang="en-US" sz="1100" dirty="0">
+                  <a:latin typeface="Arial" panose="020B0604020202020204" pitchFamily="34" charset="0"/>
+                  <a:cs typeface="Arial" panose="020B0604020202020204" pitchFamily="34" charset="0"/>
+                </a:rPr>
+                <a:t>(</a:t>
+              </a:r>
+              <a:r>
+                <a:rPr lang="en-US" sz="1100" dirty="0" err="1">
+                  <a:latin typeface="Arial" panose="020B0604020202020204" pitchFamily="34" charset="0"/>
+                  <a:cs typeface="Arial" panose="020B0604020202020204" pitchFamily="34" charset="0"/>
+                </a:rPr>
+                <a:t>bondName</a:t>
+              </a:r>
+              <a:r>
+                <a:rPr lang="en-US" sz="1100" dirty="0">
+                  <a:latin typeface="Arial" panose="020B0604020202020204" pitchFamily="34" charset="0"/>
+                  <a:cs typeface="Arial" panose="020B0604020202020204" pitchFamily="34" charset="0"/>
+                </a:rPr>
+                <a:t>, year, rate, </a:t>
+              </a:r>
+              <a:r>
+                <a:rPr lang="en-US" sz="1100" dirty="0" err="1">
+                  <a:latin typeface="Arial" panose="020B0604020202020204" pitchFamily="34" charset="0"/>
+                  <a:cs typeface="Arial" panose="020B0604020202020204" pitchFamily="34" charset="0"/>
+                </a:rPr>
+                <a:t>ui</a:t>
+              </a:r>
+              <a:r>
+                <a:rPr lang="en-US" sz="1100" dirty="0">
+                  <a:latin typeface="Arial" panose="020B0604020202020204" pitchFamily="34" charset="0"/>
+                  <a:cs typeface="Arial" panose="020B0604020202020204" pitchFamily="34" charset="0"/>
+                </a:rPr>
+                <a:t>)</a:t>
               </a:r>
             </a:p>
           </p:txBody>
@@ -6413,7 +6979,7 @@
           </p:nvCxnSpPr>
           <p:spPr>
             <a:xfrm flipV="1">
-              <a:off x="7507903" y="2389694"/>
+              <a:off x="7472013" y="2852833"/>
               <a:ext cx="1405069" cy="0"/>
             </a:xfrm>
             <a:prstGeom prst="straightConnector1">
@@ -6421,10 +6987,7 @@
             </a:prstGeom>
             <a:ln>
               <a:solidFill>
-                <a:schemeClr val="accent4">
-                  <a:lumMod val="60000"/>
-                  <a:lumOff val="40000"/>
-                </a:schemeClr>
+                <a:srgbClr val="C00000"/>
               </a:solidFill>
               <a:tailEnd type="triangle"/>
             </a:ln>
@@ -6458,7 +7021,7 @@
           </p:nvGrpSpPr>
           <p:grpSpPr>
             <a:xfrm>
-              <a:off x="7568016" y="2443978"/>
+              <a:off x="7532126" y="2930867"/>
               <a:ext cx="4233547" cy="3689101"/>
               <a:chOff x="5052431" y="1057279"/>
               <a:chExt cx="6726965" cy="5259346"/>
@@ -6582,7 +7145,7 @@
           </p:nvSpPr>
           <p:spPr>
             <a:xfrm>
-              <a:off x="7568014" y="2470158"/>
+              <a:off x="7532124" y="2957047"/>
               <a:ext cx="531953" cy="263732"/>
             </a:xfrm>
             <a:prstGeom prst="rect">
@@ -6620,7 +7183,7 @@
           </p:nvSpPr>
           <p:spPr>
             <a:xfrm>
-              <a:off x="9156210" y="2417306"/>
+              <a:off x="9120320" y="2904195"/>
               <a:ext cx="1299825" cy="434382"/>
             </a:xfrm>
             <a:prstGeom prst="rect">
@@ -6671,7 +7234,7 @@
           </p:nvSpPr>
           <p:spPr>
             <a:xfrm>
-              <a:off x="9253115" y="2853425"/>
+              <a:off x="9217225" y="3340314"/>
               <a:ext cx="1145149" cy="263732"/>
             </a:xfrm>
             <a:prstGeom prst="rect">
@@ -6709,7 +7272,7 @@
           </p:nvSpPr>
           <p:spPr>
             <a:xfrm>
-              <a:off x="9139588" y="3495943"/>
+              <a:off x="9103698" y="3982832"/>
               <a:ext cx="1243610" cy="434382"/>
             </a:xfrm>
             <a:prstGeom prst="rect">
@@ -6760,7 +7323,7 @@
           </p:nvSpPr>
           <p:spPr>
             <a:xfrm>
-              <a:off x="9266814" y="3845424"/>
+              <a:off x="9230924" y="4332313"/>
               <a:ext cx="1145149" cy="263732"/>
             </a:xfrm>
             <a:prstGeom prst="rect">
@@ -6800,8 +7363,8 @@
           </p:nvCxnSpPr>
           <p:spPr>
             <a:xfrm flipV="1">
-              <a:off x="9149497" y="4521890"/>
-              <a:ext cx="2296022" cy="1"/>
+              <a:off x="9084424" y="5008780"/>
+              <a:ext cx="2325205" cy="0"/>
             </a:xfrm>
             <a:prstGeom prst="straightConnector1">
               <a:avLst/>
@@ -6844,7 +7407,7 @@
           </p:nvSpPr>
           <p:spPr>
             <a:xfrm>
-              <a:off x="9356932" y="4286638"/>
+              <a:off x="9321042" y="4773527"/>
               <a:ext cx="1677095" cy="263732"/>
             </a:xfrm>
             <a:prstGeom prst="rect">
@@ -6885,8 +7448,8 @@
           </p:nvCxnSpPr>
           <p:spPr>
             <a:xfrm flipH="1" flipV="1">
-              <a:off x="9112339" y="4690012"/>
-              <a:ext cx="2426682" cy="0"/>
+              <a:off x="9076450" y="5176902"/>
+              <a:ext cx="2397244" cy="6528"/>
             </a:xfrm>
             <a:prstGeom prst="straightConnector1">
               <a:avLst/>
@@ -6918,10 +7481,10 @@
         </p:cxnSp>
         <p:sp>
           <p:nvSpPr>
-            <p:cNvPr id="78" name="Rectangle 77">
-              <a:extLst>
-                <a:ext uri="{FF2B5EF4-FFF2-40B4-BE49-F238E27FC236}">
-                  <a16:creationId xmlns:a16="http://schemas.microsoft.com/office/drawing/2014/main" id="{0CFD4062-23D8-624B-8AC9-1EA65DDCBD21}"/>
+            <p:cNvPr id="79" name="Rectangle 78">
+              <a:extLst>
+                <a:ext uri="{FF2B5EF4-FFF2-40B4-BE49-F238E27FC236}">
+                  <a16:creationId xmlns:a16="http://schemas.microsoft.com/office/drawing/2014/main" id="{747A165C-5284-A44B-A825-693AD2E73BB7}"/>
                 </a:ext>
               </a:extLst>
             </p:cNvPr>
@@ -6930,71 +7493,15 @@
           </p:nvSpPr>
           <p:spPr>
             <a:xfrm>
-              <a:off x="11445518" y="4521891"/>
-              <a:ext cx="187006" cy="174650"/>
+              <a:off x="10469552" y="5703772"/>
+              <a:ext cx="128133" cy="127021"/>
             </a:xfrm>
             <a:prstGeom prst="rect">
               <a:avLst/>
             </a:prstGeom>
-            <a:noFill/>
-            <a:ln>
-              <a:solidFill>
-                <a:schemeClr val="accent6">
-                  <a:lumMod val="60000"/>
-                  <a:lumOff val="40000"/>
-                </a:schemeClr>
-              </a:solidFill>
-            </a:ln>
-          </p:spPr>
-          <p:style>
-            <a:lnRef idx="2">
-              <a:schemeClr val="accent1">
-                <a:shade val="50000"/>
-              </a:schemeClr>
-            </a:lnRef>
-            <a:fillRef idx="1">
-              <a:schemeClr val="accent1"/>
-            </a:fillRef>
-            <a:effectRef idx="0">
-              <a:schemeClr val="accent1"/>
-            </a:effectRef>
-            <a:fontRef idx="minor">
-              <a:schemeClr val="lt1"/>
-            </a:fontRef>
-          </p:style>
-          <p:txBody>
-            <a:bodyPr rtlCol="0" anchor="ctr"/>
-            <a:lstStyle/>
-            <a:p>
-              <a:pPr algn="ctr"/>
-              <a:endParaRPr lang="en-US" sz="1100">
-                <a:latin typeface="Arial" panose="020B0604020202020204" pitchFamily="34" charset="0"/>
-                <a:cs typeface="Arial" panose="020B0604020202020204" pitchFamily="34" charset="0"/>
-              </a:endParaRPr>
-            </a:p>
-          </p:txBody>
-        </p:sp>
-        <p:sp>
-          <p:nvSpPr>
-            <p:cNvPr id="79" name="Rectangle 78">
-              <a:extLst>
-                <a:ext uri="{FF2B5EF4-FFF2-40B4-BE49-F238E27FC236}">
-                  <a16:creationId xmlns:a16="http://schemas.microsoft.com/office/drawing/2014/main" id="{747A165C-5284-A44B-A825-693AD2E73BB7}"/>
-                </a:ext>
-              </a:extLst>
-            </p:cNvPr>
-            <p:cNvSpPr/>
-            <p:nvPr/>
-          </p:nvSpPr>
-          <p:spPr>
-            <a:xfrm>
-              <a:off x="10505442" y="5216883"/>
-              <a:ext cx="128133" cy="127021"/>
-            </a:xfrm>
-            <a:prstGeom prst="rect">
-              <a:avLst/>
-            </a:prstGeom>
-            <a:noFill/>
+            <a:solidFill>
+              <a:schemeClr val="bg1"/>
+            </a:solidFill>
             <a:ln>
               <a:solidFill>
                 <a:schemeClr val="accent4">
@@ -7045,7 +7552,7 @@
           </p:nvSpPr>
           <p:spPr>
             <a:xfrm>
-              <a:off x="9012853" y="5010863"/>
+              <a:off x="8976963" y="5497752"/>
               <a:ext cx="124573" cy="993947"/>
             </a:xfrm>
             <a:prstGeom prst="rect">
@@ -7106,7 +7613,7 @@
           </p:nvSpPr>
           <p:spPr>
             <a:xfrm>
-              <a:off x="9169832" y="4656075"/>
+              <a:off x="9133942" y="5142964"/>
               <a:ext cx="2011981" cy="434382"/>
             </a:xfrm>
             <a:prstGeom prst="rect">
@@ -7120,20 +7627,41 @@
             <a:lstStyle/>
             <a:p>
               <a:r>
-                <a:rPr lang="en-US" sz="1100">
+                <a:rPr lang="en-US" sz="1100" dirty="0" err="1">
                   <a:latin typeface="Arial" panose="020B0604020202020204" pitchFamily="34" charset="0"/>
                   <a:cs typeface="Arial" panose="020B0604020202020204" pitchFamily="34" charset="0"/>
                 </a:rPr>
-                <a:t>printOneCard(ONE_INDEX, </a:t>
+                <a:t>printOneCard</a:t>
+              </a:r>
+              <a:r>
+                <a:rPr lang="en-US" sz="1100" dirty="0">
+                  <a:latin typeface="Arial" panose="020B0604020202020204" pitchFamily="34" charset="0"/>
+                  <a:cs typeface="Arial" panose="020B0604020202020204" pitchFamily="34" charset="0"/>
+                </a:rPr>
+                <a:t>(ONE_INDEX, </a:t>
               </a:r>
             </a:p>
             <a:p>
               <a:r>
-                <a:rPr lang="en-US" sz="1100">
+                <a:rPr lang="en-US" sz="1100" dirty="0">
                   <a:latin typeface="Arial" panose="020B0604020202020204" pitchFamily="34" charset="0"/>
                   <a:cs typeface="Arial" panose="020B0604020202020204" pitchFamily="34" charset="0"/>
                 </a:rPr>
-                <a:t>bond, ISSINGLE, ui)</a:t>
+                <a:t>bond, ISSINGLE, </a:t>
+              </a:r>
+              <a:r>
+                <a:rPr lang="en-US" sz="1100" dirty="0" err="1">
+                  <a:latin typeface="Arial" panose="020B0604020202020204" pitchFamily="34" charset="0"/>
+                  <a:cs typeface="Arial" panose="020B0604020202020204" pitchFamily="34" charset="0"/>
+                </a:rPr>
+                <a:t>ui</a:t>
+              </a:r>
+              <a:r>
+                <a:rPr lang="en-US" sz="1100" dirty="0">
+                  <a:latin typeface="Arial" panose="020B0604020202020204" pitchFamily="34" charset="0"/>
+                  <a:cs typeface="Arial" panose="020B0604020202020204" pitchFamily="34" charset="0"/>
+                </a:rPr>
+                <a:t>)</a:t>
               </a:r>
             </a:p>
           </p:txBody>
@@ -7154,7 +7682,7 @@
           </p:nvCxnSpPr>
           <p:spPr>
             <a:xfrm>
-              <a:off x="9149497" y="5223571"/>
+              <a:off x="9113607" y="5710460"/>
               <a:ext cx="1346247" cy="0"/>
             </a:xfrm>
             <a:prstGeom prst="straightConnector1">
@@ -7198,7 +7726,7 @@
           </p:nvSpPr>
           <p:spPr>
             <a:xfrm>
-              <a:off x="9328362" y="5013008"/>
+              <a:off x="9292472" y="5499897"/>
               <a:ext cx="895760" cy="263732"/>
             </a:xfrm>
             <a:prstGeom prst="rect">
@@ -7238,7 +7766,7 @@
           </p:nvCxnSpPr>
           <p:spPr>
             <a:xfrm flipH="1">
-              <a:off x="9137428" y="5902672"/>
+              <a:off x="9101538" y="6389561"/>
               <a:ext cx="2374620" cy="0"/>
             </a:xfrm>
             <a:prstGeom prst="straightConnector1">
@@ -7283,19 +7811,18 @@
           </p:nvSpPr>
           <p:spPr>
             <a:xfrm>
-              <a:off x="11447982" y="5728268"/>
+              <a:off x="11412092" y="6215157"/>
               <a:ext cx="128133" cy="174404"/>
             </a:xfrm>
             <a:prstGeom prst="rect">
               <a:avLst/>
             </a:prstGeom>
-            <a:noFill/>
+            <a:solidFill>
+              <a:schemeClr val="bg1"/>
+            </a:solidFill>
             <a:ln>
               <a:solidFill>
-                <a:schemeClr val="accent6">
-                  <a:lumMod val="60000"/>
-                  <a:lumOff val="40000"/>
-                </a:schemeClr>
+                <a:schemeClr val="accent6"/>
               </a:solidFill>
             </a:ln>
           </p:spPr>
@@ -7343,7 +7870,7 @@
           </p:nvCxnSpPr>
           <p:spPr>
             <a:xfrm>
-              <a:off x="9137426" y="5728268"/>
+              <a:off x="9101536" y="6215157"/>
               <a:ext cx="2308092" cy="50"/>
             </a:xfrm>
             <a:prstGeom prst="straightConnector1">
@@ -7387,7 +7914,7 @@
           </p:nvSpPr>
           <p:spPr>
             <a:xfrm>
-              <a:off x="9200766" y="5376860"/>
+              <a:off x="9164876" y="5863749"/>
               <a:ext cx="2110306" cy="434382"/>
             </a:xfrm>
             <a:prstGeom prst="rect">
@@ -7428,7 +7955,7 @@
           </p:nvSpPr>
           <p:spPr>
             <a:xfrm>
-              <a:off x="4974318" y="996318"/>
+              <a:off x="4938428" y="1483207"/>
               <a:ext cx="6944760" cy="5196314"/>
             </a:xfrm>
             <a:prstGeom prst="rect">
@@ -7478,7 +8005,7 @@
           </p:nvSpPr>
           <p:spPr>
             <a:xfrm>
-              <a:off x="35890" y="328729"/>
+              <a:off x="0" y="815618"/>
               <a:ext cx="11994708" cy="6472856"/>
             </a:xfrm>
             <a:prstGeom prst="rect">
@@ -7535,7 +8062,7 @@
           </p:nvCxnSpPr>
           <p:spPr>
             <a:xfrm>
-              <a:off x="9030132" y="4287691"/>
+              <a:off x="8994242" y="4774580"/>
               <a:ext cx="156600" cy="0"/>
             </a:xfrm>
             <a:prstGeom prst="line">
@@ -7581,7 +8108,7 @@
           </p:nvCxnSpPr>
           <p:spPr>
             <a:xfrm rot="5400000">
-              <a:off x="9096494" y="4290583"/>
+              <a:off x="9060604" y="4777472"/>
               <a:ext cx="99257" cy="94449"/>
             </a:xfrm>
             <a:prstGeom prst="curvedConnector3">
@@ -7630,7 +8157,7 @@
           </p:nvCxnSpPr>
           <p:spPr>
             <a:xfrm>
-              <a:off x="9036747" y="5991755"/>
+              <a:off x="9000857" y="6478644"/>
               <a:ext cx="156600" cy="0"/>
             </a:xfrm>
             <a:prstGeom prst="line">
@@ -7676,7 +8203,7 @@
           </p:nvCxnSpPr>
           <p:spPr>
             <a:xfrm rot="10800000" flipV="1">
-              <a:off x="9105514" y="5988032"/>
+              <a:off x="9069624" y="6486796"/>
               <a:ext cx="81218" cy="68402"/>
             </a:xfrm>
             <a:prstGeom prst="curvedConnector3">
@@ -7726,15 +8253,15 @@
           </p:nvCxnSpPr>
           <p:spPr>
             <a:xfrm flipV="1">
-              <a:off x="1879848" y="6544048"/>
-              <a:ext cx="0" cy="167319"/>
+              <a:off x="1843958" y="7030936"/>
+              <a:ext cx="3772" cy="167322"/>
             </a:xfrm>
             <a:prstGeom prst="line">
               <a:avLst/>
             </a:prstGeom>
             <a:ln>
               <a:solidFill>
-                <a:srgbClr val="FED39C"/>
+                <a:schemeClr val="accent2"/>
               </a:solidFill>
               <a:prstDash val="sysDash"/>
             </a:ln>
@@ -7768,7 +8295,7 @@
           </p:nvSpPr>
           <p:spPr>
             <a:xfrm>
-              <a:off x="528454" y="328729"/>
+              <a:off x="495786" y="941289"/>
               <a:ext cx="1328427" cy="263732"/>
             </a:xfrm>
             <a:prstGeom prst="rect">
@@ -7783,11 +8310,25 @@
             <a:lstStyle/>
             <a:p>
               <a:r>
-                <a:rPr lang="en-US" sz="1100">
+                <a:rPr lang="en-US" sz="1100" dirty="0">
                   <a:latin typeface="Arial" panose="020B0604020202020204" pitchFamily="34" charset="0"/>
                   <a:cs typeface="Arial" panose="020B0604020202020204" pitchFamily="34" charset="0"/>
                 </a:rPr>
-                <a:t>execute(profile, ui)</a:t>
+                <a:t>execute(profile, </a:t>
+              </a:r>
+              <a:r>
+                <a:rPr lang="en-US" sz="1100" dirty="0" err="1">
+                  <a:latin typeface="Arial" panose="020B0604020202020204" pitchFamily="34" charset="0"/>
+                  <a:cs typeface="Arial" panose="020B0604020202020204" pitchFamily="34" charset="0"/>
+                </a:rPr>
+                <a:t>ui</a:t>
+              </a:r>
+              <a:r>
+                <a:rPr lang="en-US" sz="1100" dirty="0">
+                  <a:latin typeface="Arial" panose="020B0604020202020204" pitchFamily="34" charset="0"/>
+                  <a:cs typeface="Arial" panose="020B0604020202020204" pitchFamily="34" charset="0"/>
+                </a:rPr>
+                <a:t>)</a:t>
               </a:r>
             </a:p>
           </p:txBody>
@@ -7806,7 +8347,7 @@
           </p:nvSpPr>
           <p:spPr>
             <a:xfrm>
-              <a:off x="1734616" y="6520031"/>
+              <a:off x="1710601" y="7006920"/>
               <a:ext cx="290464" cy="369332"/>
             </a:xfrm>
             <a:prstGeom prst="rect">
@@ -7824,9 +8365,9 @@
             <a:lstStyle/>
             <a:p>
               <a:r>
-                <a:rPr lang="en-US" b="1">
+                <a:rPr lang="en-US" b="1" dirty="0">
                   <a:solidFill>
-                    <a:srgbClr val="FED39C"/>
+                    <a:schemeClr val="accent2"/>
                   </a:solidFill>
                   <a:latin typeface="Calibri" panose="020F0502020204030204" pitchFamily="34" charset="0"/>
                   <a:cs typeface="Calibri" panose="020F0502020204030204" pitchFamily="34" charset="0"/>
@@ -7836,194 +8377,293 @@
             </a:p>
           </p:txBody>
         </p:sp>
+        <p:cxnSp>
+          <p:nvCxnSpPr>
+            <p:cNvPr id="99" name="Straight Connector 98">
+              <a:extLst>
+                <a:ext uri="{FF2B5EF4-FFF2-40B4-BE49-F238E27FC236}">
+                  <a16:creationId xmlns:a16="http://schemas.microsoft.com/office/drawing/2014/main" id="{3BF5DE2E-8F6F-D64D-9B64-E091A4447901}"/>
+                </a:ext>
+              </a:extLst>
+            </p:cNvPr>
+            <p:cNvCxnSpPr>
+              <a:cxnSpLocks/>
+              <a:stCxn id="66" idx="2"/>
+            </p:cNvCxnSpPr>
+            <p:nvPr/>
+          </p:nvCxnSpPr>
+          <p:spPr>
+            <a:xfrm>
+              <a:off x="7403849" y="6799509"/>
+              <a:ext cx="0" cy="576743"/>
+            </a:xfrm>
+            <a:prstGeom prst="line">
+              <a:avLst/>
+            </a:prstGeom>
+            <a:ln>
+              <a:solidFill>
+                <a:srgbClr val="C00000"/>
+              </a:solidFill>
+              <a:prstDash val="sysDash"/>
+            </a:ln>
+          </p:spPr>
+          <p:style>
+            <a:lnRef idx="1">
+              <a:schemeClr val="accent1"/>
+            </a:lnRef>
+            <a:fillRef idx="0">
+              <a:schemeClr val="accent1"/>
+            </a:fillRef>
+            <a:effectRef idx="0">
+              <a:schemeClr val="accent1"/>
+            </a:effectRef>
+            <a:fontRef idx="minor">
+              <a:schemeClr val="tx1"/>
+            </a:fontRef>
+          </p:style>
+        </p:cxnSp>
+        <p:cxnSp>
+          <p:nvCxnSpPr>
+            <p:cNvPr id="100" name="Straight Connector 99">
+              <a:extLst>
+                <a:ext uri="{FF2B5EF4-FFF2-40B4-BE49-F238E27FC236}">
+                  <a16:creationId xmlns:a16="http://schemas.microsoft.com/office/drawing/2014/main" id="{786603CB-4F87-0A43-AAE7-6FAACEB4374D}"/>
+                </a:ext>
+              </a:extLst>
+            </p:cNvPr>
+            <p:cNvCxnSpPr>
+              <a:cxnSpLocks/>
+              <a:stCxn id="54" idx="2"/>
+            </p:cNvCxnSpPr>
+            <p:nvPr/>
+          </p:nvCxnSpPr>
+          <p:spPr>
+            <a:xfrm flipH="1">
+              <a:off x="8973154" y="6773832"/>
+              <a:ext cx="1" cy="602420"/>
+            </a:xfrm>
+            <a:prstGeom prst="line">
+              <a:avLst/>
+            </a:prstGeom>
+            <a:ln>
+              <a:solidFill>
+                <a:schemeClr val="accent4">
+                  <a:lumMod val="75000"/>
+                </a:schemeClr>
+              </a:solidFill>
+              <a:prstDash val="sysDash"/>
+            </a:ln>
+          </p:spPr>
+          <p:style>
+            <a:lnRef idx="1">
+              <a:schemeClr val="accent1"/>
+            </a:lnRef>
+            <a:fillRef idx="0">
+              <a:schemeClr val="accent1"/>
+            </a:fillRef>
+            <a:effectRef idx="0">
+              <a:schemeClr val="accent1"/>
+            </a:effectRef>
+            <a:fontRef idx="minor">
+              <a:schemeClr val="tx1"/>
+            </a:fontRef>
+          </p:style>
+        </p:cxnSp>
+        <p:cxnSp>
+          <p:nvCxnSpPr>
+            <p:cNvPr id="101" name="Straight Connector 100">
+              <a:extLst>
+                <a:ext uri="{FF2B5EF4-FFF2-40B4-BE49-F238E27FC236}">
+                  <a16:creationId xmlns:a16="http://schemas.microsoft.com/office/drawing/2014/main" id="{87015D57-EEEA-2E45-A523-4762846B4FFB}"/>
+                </a:ext>
+              </a:extLst>
+            </p:cNvPr>
+            <p:cNvCxnSpPr>
+              <a:cxnSpLocks/>
+            </p:cNvCxnSpPr>
+            <p:nvPr/>
+          </p:nvCxnSpPr>
+          <p:spPr>
+            <a:xfrm>
+              <a:off x="5543606" y="6859825"/>
+              <a:ext cx="0" cy="516427"/>
+            </a:xfrm>
+            <a:prstGeom prst="line">
+              <a:avLst/>
+            </a:prstGeom>
+            <a:ln>
+              <a:solidFill>
+                <a:schemeClr val="tx2"/>
+              </a:solidFill>
+              <a:prstDash val="sysDash"/>
+            </a:ln>
+          </p:spPr>
+          <p:style>
+            <a:lnRef idx="1">
+              <a:schemeClr val="accent1"/>
+            </a:lnRef>
+            <a:fillRef idx="0">
+              <a:schemeClr val="accent1"/>
+            </a:fillRef>
+            <a:effectRef idx="0">
+              <a:schemeClr val="accent1"/>
+            </a:effectRef>
+            <a:fontRef idx="minor">
+              <a:schemeClr val="tx1"/>
+            </a:fontRef>
+          </p:style>
+        </p:cxnSp>
+        <p:cxnSp>
+          <p:nvCxnSpPr>
+            <p:cNvPr id="102" name="Straight Connector 101">
+              <a:extLst>
+                <a:ext uri="{FF2B5EF4-FFF2-40B4-BE49-F238E27FC236}">
+                  <a16:creationId xmlns:a16="http://schemas.microsoft.com/office/drawing/2014/main" id="{50485C5D-B949-B64A-9509-7E2C480D5508}"/>
+                </a:ext>
+              </a:extLst>
+            </p:cNvPr>
+            <p:cNvCxnSpPr>
+              <a:cxnSpLocks/>
+              <a:stCxn id="22" idx="2"/>
+            </p:cNvCxnSpPr>
+            <p:nvPr/>
+          </p:nvCxnSpPr>
+          <p:spPr>
+            <a:xfrm>
+              <a:off x="3838097" y="6956933"/>
+              <a:ext cx="0" cy="419319"/>
+            </a:xfrm>
+            <a:prstGeom prst="line">
+              <a:avLst/>
+            </a:prstGeom>
+            <a:ln>
+              <a:solidFill>
+                <a:schemeClr val="accent5"/>
+              </a:solidFill>
+              <a:prstDash val="sysDash"/>
+            </a:ln>
+          </p:spPr>
+          <p:style>
+            <a:lnRef idx="1">
+              <a:schemeClr val="accent1"/>
+            </a:lnRef>
+            <a:fillRef idx="0">
+              <a:schemeClr val="accent1"/>
+            </a:fillRef>
+            <a:effectRef idx="0">
+              <a:schemeClr val="accent1"/>
+            </a:effectRef>
+            <a:fontRef idx="minor">
+              <a:schemeClr val="tx1"/>
+            </a:fontRef>
+          </p:style>
+        </p:cxnSp>
+        <p:cxnSp>
+          <p:nvCxnSpPr>
+            <p:cNvPr id="105" name="Straight Connector 104">
+              <a:extLst>
+                <a:ext uri="{FF2B5EF4-FFF2-40B4-BE49-F238E27FC236}">
+                  <a16:creationId xmlns:a16="http://schemas.microsoft.com/office/drawing/2014/main" id="{F71DEE43-4285-41A9-994B-33A8967F3EC0}"/>
+                </a:ext>
+              </a:extLst>
+            </p:cNvPr>
+            <p:cNvCxnSpPr>
+              <a:cxnSpLocks/>
+              <a:stCxn id="15" idx="2"/>
+              <a:endCxn id="14" idx="0"/>
+            </p:cNvCxnSpPr>
+            <p:nvPr/>
+          </p:nvCxnSpPr>
+          <p:spPr>
+            <a:xfrm>
+              <a:off x="456532" y="777988"/>
+              <a:ext cx="0" cy="387980"/>
+            </a:xfrm>
+            <a:prstGeom prst="line">
+              <a:avLst/>
+            </a:prstGeom>
+            <a:ln>
+              <a:solidFill>
+                <a:schemeClr val="bg1">
+                  <a:lumMod val="50000"/>
+                </a:schemeClr>
+              </a:solidFill>
+              <a:prstDash val="sysDash"/>
+            </a:ln>
+          </p:spPr>
+          <p:style>
+            <a:lnRef idx="1">
+              <a:schemeClr val="accent1"/>
+            </a:lnRef>
+            <a:fillRef idx="0">
+              <a:schemeClr val="accent1"/>
+            </a:fillRef>
+            <a:effectRef idx="0">
+              <a:schemeClr val="accent1"/>
+            </a:effectRef>
+            <a:fontRef idx="minor">
+              <a:schemeClr val="tx1"/>
+            </a:fontRef>
+          </p:style>
+        </p:cxnSp>
+        <p:sp>
+          <p:nvSpPr>
+            <p:cNvPr id="78" name="Rectangle 77">
+              <a:extLst>
+                <a:ext uri="{FF2B5EF4-FFF2-40B4-BE49-F238E27FC236}">
+                  <a16:creationId xmlns:a16="http://schemas.microsoft.com/office/drawing/2014/main" id="{0CFD4062-23D8-624B-8AC9-1EA65DDCBD21}"/>
+                </a:ext>
+              </a:extLst>
+            </p:cNvPr>
+            <p:cNvSpPr/>
+            <p:nvPr/>
+          </p:nvSpPr>
+          <p:spPr>
+            <a:xfrm>
+              <a:off x="11409628" y="5042592"/>
+              <a:ext cx="128132" cy="140838"/>
+            </a:xfrm>
+            <a:prstGeom prst="rect">
+              <a:avLst/>
+            </a:prstGeom>
+            <a:solidFill>
+              <a:schemeClr val="bg1"/>
+            </a:solidFill>
+            <a:ln>
+              <a:solidFill>
+                <a:schemeClr val="accent6"/>
+              </a:solidFill>
+            </a:ln>
+          </p:spPr>
+          <p:style>
+            <a:lnRef idx="2">
+              <a:schemeClr val="accent1">
+                <a:shade val="50000"/>
+              </a:schemeClr>
+            </a:lnRef>
+            <a:fillRef idx="1">
+              <a:schemeClr val="accent1"/>
+            </a:fillRef>
+            <a:effectRef idx="0">
+              <a:schemeClr val="accent1"/>
+            </a:effectRef>
+            <a:fontRef idx="minor">
+              <a:schemeClr val="lt1"/>
+            </a:fontRef>
+          </p:style>
+          <p:txBody>
+            <a:bodyPr rtlCol="0" anchor="ctr"/>
+            <a:lstStyle/>
+            <a:p>
+              <a:pPr algn="ctr"/>
+              <a:endParaRPr lang="en-US" sz="1100">
+                <a:latin typeface="Arial" panose="020B0604020202020204" pitchFamily="34" charset="0"/>
+                <a:cs typeface="Arial" panose="020B0604020202020204" pitchFamily="34" charset="0"/>
+              </a:endParaRPr>
+            </a:p>
+          </p:txBody>
+        </p:sp>
       </p:grpSp>
-      <p:cxnSp>
-        <p:nvCxnSpPr>
-          <p:cNvPr id="99" name="Straight Connector 98">
-            <a:extLst>
-              <a:ext uri="{FF2B5EF4-FFF2-40B4-BE49-F238E27FC236}">
-                <a16:creationId xmlns:a16="http://schemas.microsoft.com/office/drawing/2014/main" id="{3BF5DE2E-8F6F-D64D-9B64-E091A4447901}"/>
-              </a:ext>
-            </a:extLst>
-          </p:cNvPr>
-          <p:cNvCxnSpPr>
-            <a:cxnSpLocks/>
-            <a:stCxn id="66" idx="2"/>
-          </p:cNvCxnSpPr>
-          <p:nvPr/>
-        </p:nvCxnSpPr>
-        <p:spPr>
-          <a:xfrm>
-            <a:off x="7439739" y="6312620"/>
-            <a:ext cx="0" cy="545380"/>
-          </a:xfrm>
-          <a:prstGeom prst="line">
-            <a:avLst/>
-          </a:prstGeom>
-          <a:ln>
-            <a:solidFill>
-              <a:schemeClr val="accent4">
-                <a:lumMod val="60000"/>
-                <a:lumOff val="40000"/>
-              </a:schemeClr>
-            </a:solidFill>
-            <a:prstDash val="sysDash"/>
-          </a:ln>
-        </p:spPr>
-        <p:style>
-          <a:lnRef idx="1">
-            <a:schemeClr val="accent1"/>
-          </a:lnRef>
-          <a:fillRef idx="0">
-            <a:schemeClr val="accent1"/>
-          </a:fillRef>
-          <a:effectRef idx="0">
-            <a:schemeClr val="accent1"/>
-          </a:effectRef>
-          <a:fontRef idx="minor">
-            <a:schemeClr val="tx1"/>
-          </a:fontRef>
-        </p:style>
-      </p:cxnSp>
-      <p:cxnSp>
-        <p:nvCxnSpPr>
-          <p:cNvPr id="100" name="Straight Connector 99">
-            <a:extLst>
-              <a:ext uri="{FF2B5EF4-FFF2-40B4-BE49-F238E27FC236}">
-                <a16:creationId xmlns:a16="http://schemas.microsoft.com/office/drawing/2014/main" id="{786603CB-4F87-0A43-AAE7-6FAACEB4374D}"/>
-              </a:ext>
-            </a:extLst>
-          </p:cNvPr>
-          <p:cNvCxnSpPr>
-            <a:cxnSpLocks/>
-            <a:stCxn id="54" idx="2"/>
-          </p:cNvCxnSpPr>
-          <p:nvPr/>
-        </p:nvCxnSpPr>
-        <p:spPr>
-          <a:xfrm>
-            <a:off x="9009045" y="6286943"/>
-            <a:ext cx="0" cy="561978"/>
-          </a:xfrm>
-          <a:prstGeom prst="line">
-            <a:avLst/>
-          </a:prstGeom>
-          <a:ln>
-            <a:solidFill>
-              <a:schemeClr val="accent4">
-                <a:lumMod val="75000"/>
-              </a:schemeClr>
-            </a:solidFill>
-            <a:prstDash val="sysDash"/>
-          </a:ln>
-        </p:spPr>
-        <p:style>
-          <a:lnRef idx="1">
-            <a:schemeClr val="accent1"/>
-          </a:lnRef>
-          <a:fillRef idx="0">
-            <a:schemeClr val="accent1"/>
-          </a:fillRef>
-          <a:effectRef idx="0">
-            <a:schemeClr val="accent1"/>
-          </a:effectRef>
-          <a:fontRef idx="minor">
-            <a:schemeClr val="tx1"/>
-          </a:fontRef>
-        </p:style>
-      </p:cxnSp>
-      <p:cxnSp>
-        <p:nvCxnSpPr>
-          <p:cNvPr id="101" name="Straight Connector 100">
-            <a:extLst>
-              <a:ext uri="{FF2B5EF4-FFF2-40B4-BE49-F238E27FC236}">
-                <a16:creationId xmlns:a16="http://schemas.microsoft.com/office/drawing/2014/main" id="{87015D57-EEEA-2E45-A523-4762846B4FFB}"/>
-              </a:ext>
-            </a:extLst>
-          </p:cNvPr>
-          <p:cNvCxnSpPr>
-            <a:cxnSpLocks/>
-          </p:cNvCxnSpPr>
-          <p:nvPr/>
-        </p:nvCxnSpPr>
-        <p:spPr>
-          <a:xfrm>
-            <a:off x="5565208" y="6382015"/>
-            <a:ext cx="0" cy="475985"/>
-          </a:xfrm>
-          <a:prstGeom prst="line">
-            <a:avLst/>
-          </a:prstGeom>
-          <a:ln>
-            <a:solidFill>
-              <a:schemeClr val="accent1">
-                <a:lumMod val="20000"/>
-                <a:lumOff val="80000"/>
-              </a:schemeClr>
-            </a:solidFill>
-            <a:prstDash val="sysDash"/>
-          </a:ln>
-        </p:spPr>
-        <p:style>
-          <a:lnRef idx="1">
-            <a:schemeClr val="accent1"/>
-          </a:lnRef>
-          <a:fillRef idx="0">
-            <a:schemeClr val="accent1"/>
-          </a:fillRef>
-          <a:effectRef idx="0">
-            <a:schemeClr val="accent1"/>
-          </a:effectRef>
-          <a:fontRef idx="minor">
-            <a:schemeClr val="tx1"/>
-          </a:fontRef>
-        </p:style>
-      </p:cxnSp>
-      <p:cxnSp>
-        <p:nvCxnSpPr>
-          <p:cNvPr id="102" name="Straight Connector 101">
-            <a:extLst>
-              <a:ext uri="{FF2B5EF4-FFF2-40B4-BE49-F238E27FC236}">
-                <a16:creationId xmlns:a16="http://schemas.microsoft.com/office/drawing/2014/main" id="{50485C5D-B949-B64A-9509-7E2C480D5508}"/>
-              </a:ext>
-            </a:extLst>
-          </p:cNvPr>
-          <p:cNvCxnSpPr>
-            <a:cxnSpLocks/>
-            <a:stCxn id="22" idx="2"/>
-          </p:cNvCxnSpPr>
-          <p:nvPr/>
-        </p:nvCxnSpPr>
-        <p:spPr>
-          <a:xfrm flipH="1">
-            <a:off x="3872922" y="6470044"/>
-            <a:ext cx="1065" cy="387956"/>
-          </a:xfrm>
-          <a:prstGeom prst="line">
-            <a:avLst/>
-          </a:prstGeom>
-          <a:ln>
-            <a:solidFill>
-              <a:schemeClr val="accent5"/>
-            </a:solidFill>
-            <a:prstDash val="sysDash"/>
-          </a:ln>
-        </p:spPr>
-        <p:style>
-          <a:lnRef idx="1">
-            <a:schemeClr val="accent1"/>
-          </a:lnRef>
-          <a:fillRef idx="0">
-            <a:schemeClr val="accent1"/>
-          </a:fillRef>
-          <a:effectRef idx="0">
-            <a:schemeClr val="accent1"/>
-          </a:effectRef>
-          <a:fontRef idx="minor">
-            <a:schemeClr val="tx1"/>
-          </a:fontRef>
-        </p:style>
-      </p:cxnSp>
     </p:spTree>
     <p:extLst>
       <p:ext uri="{BB962C8B-B14F-4D97-AF65-F5344CB8AC3E}">
@@ -8330,4 +8970,299 @@
     </a:ext>
   </a:extLst>
 </a:theme>
+</file>
+
+<file path=ppt/theme/theme2.xml><?xml version="1.0" encoding="utf-8"?>
+<a:theme xmlns:a="http://schemas.openxmlformats.org/drawingml/2006/main" name="Office Theme">
+  <a:themeElements>
+    <a:clrScheme name="Office">
+      <a:dk1>
+        <a:sysClr val="windowText" lastClr="000000"/>
+      </a:dk1>
+      <a:lt1>
+        <a:sysClr val="window" lastClr="FFFFFF"/>
+      </a:lt1>
+      <a:dk2>
+        <a:srgbClr val="44546A"/>
+      </a:dk2>
+      <a:lt2>
+        <a:srgbClr val="E7E6E6"/>
+      </a:lt2>
+      <a:accent1>
+        <a:srgbClr val="4472C4"/>
+      </a:accent1>
+      <a:accent2>
+        <a:srgbClr val="ED7D31"/>
+      </a:accent2>
+      <a:accent3>
+        <a:srgbClr val="A5A5A5"/>
+      </a:accent3>
+      <a:accent4>
+        <a:srgbClr val="FFC000"/>
+      </a:accent4>
+      <a:accent5>
+        <a:srgbClr val="5B9BD5"/>
+      </a:accent5>
+      <a:accent6>
+        <a:srgbClr val="70AD47"/>
+      </a:accent6>
+      <a:hlink>
+        <a:srgbClr val="0563C1"/>
+      </a:hlink>
+      <a:folHlink>
+        <a:srgbClr val="954F72"/>
+      </a:folHlink>
+    </a:clrScheme>
+    <a:fontScheme name="Office">
+      <a:majorFont>
+        <a:latin typeface="Calibri Light" panose="020F0302020204030204"/>
+        <a:ea typeface=""/>
+        <a:cs typeface=""/>
+        <a:font script="Jpan" typeface="游ゴシック Light"/>
+        <a:font script="Hang" typeface="맑은 고딕"/>
+        <a:font script="Hans" typeface="等线 Light"/>
+        <a:font script="Hant" typeface="新細明體"/>
+        <a:font script="Arab" typeface="Times New Roman"/>
+        <a:font script="Hebr" typeface="Times New Roman"/>
+        <a:font script="Thai" typeface="Angsana New"/>
+        <a:font script="Ethi" typeface="Nyala"/>
+        <a:font script="Beng" typeface="Vrinda"/>
+        <a:font script="Gujr" typeface="Shruti"/>
+        <a:font script="Khmr" typeface="MoolBoran"/>
+        <a:font script="Knda" typeface="Tunga"/>
+        <a:font script="Guru" typeface="Raavi"/>
+        <a:font script="Cans" typeface="Euphemia"/>
+        <a:font script="Cher" typeface="Plantagenet Cherokee"/>
+        <a:font script="Yiii" typeface="Microsoft Yi Baiti"/>
+        <a:font script="Tibt" typeface="Microsoft Himalaya"/>
+        <a:font script="Thaa" typeface="MV Boli"/>
+        <a:font script="Deva" typeface="Mangal"/>
+        <a:font script="Telu" typeface="Gautami"/>
+        <a:font script="Taml" typeface="Latha"/>
+        <a:font script="Syrc" typeface="Estrangelo Edessa"/>
+        <a:font script="Orya" typeface="Kalinga"/>
+        <a:font script="Mlym" typeface="Kartika"/>
+        <a:font script="Laoo" typeface="DokChampa"/>
+        <a:font script="Sinh" typeface="Iskoola Pota"/>
+        <a:font script="Mong" typeface="Mongolian Baiti"/>
+        <a:font script="Viet" typeface="Times New Roman"/>
+        <a:font script="Uigh" typeface="Microsoft Uighur"/>
+        <a:font script="Geor" typeface="Sylfaen"/>
+        <a:font script="Armn" typeface="Arial"/>
+        <a:font script="Bugi" typeface="Leelawadee UI"/>
+        <a:font script="Bopo" typeface="Microsoft JhengHei"/>
+        <a:font script="Java" typeface="Javanese Text"/>
+        <a:font script="Lisu" typeface="Segoe UI"/>
+        <a:font script="Mymr" typeface="Myanmar Text"/>
+        <a:font script="Nkoo" typeface="Ebrima"/>
+        <a:font script="Olck" typeface="Nirmala UI"/>
+        <a:font script="Osma" typeface="Ebrima"/>
+        <a:font script="Phag" typeface="Phagspa"/>
+        <a:font script="Syrn" typeface="Estrangelo Edessa"/>
+        <a:font script="Syrj" typeface="Estrangelo Edessa"/>
+        <a:font script="Syre" typeface="Estrangelo Edessa"/>
+        <a:font script="Sora" typeface="Nirmala UI"/>
+        <a:font script="Tale" typeface="Microsoft Tai Le"/>
+        <a:font script="Talu" typeface="Microsoft New Tai Lue"/>
+        <a:font script="Tfng" typeface="Ebrima"/>
+      </a:majorFont>
+      <a:minorFont>
+        <a:latin typeface="Calibri" panose="020F0502020204030204"/>
+        <a:ea typeface=""/>
+        <a:cs typeface=""/>
+        <a:font script="Jpan" typeface="游ゴシック"/>
+        <a:font script="Hang" typeface="맑은 고딕"/>
+        <a:font script="Hans" typeface="等线"/>
+        <a:font script="Hant" typeface="新細明體"/>
+        <a:font script="Arab" typeface="Arial"/>
+        <a:font script="Hebr" typeface="Arial"/>
+        <a:font script="Thai" typeface="Cordia New"/>
+        <a:font script="Ethi" typeface="Nyala"/>
+        <a:font script="Beng" typeface="Vrinda"/>
+        <a:font script="Gujr" typeface="Shruti"/>
+        <a:font script="Khmr" typeface="DaunPenh"/>
+        <a:font script="Knda" typeface="Tunga"/>
+        <a:font script="Guru" typeface="Raavi"/>
+        <a:font script="Cans" typeface="Euphemia"/>
+        <a:font script="Cher" typeface="Plantagenet Cherokee"/>
+        <a:font script="Yiii" typeface="Microsoft Yi Baiti"/>
+        <a:font script="Tibt" typeface="Microsoft Himalaya"/>
+        <a:font script="Thaa" typeface="MV Boli"/>
+        <a:font script="Deva" typeface="Mangal"/>
+        <a:font script="Telu" typeface="Gautami"/>
+        <a:font script="Taml" typeface="Latha"/>
+        <a:font script="Syrc" typeface="Estrangelo Edessa"/>
+        <a:font script="Orya" typeface="Kalinga"/>
+        <a:font script="Mlym" typeface="Kartika"/>
+        <a:font script="Laoo" typeface="DokChampa"/>
+        <a:font script="Sinh" typeface="Iskoola Pota"/>
+        <a:font script="Mong" typeface="Mongolian Baiti"/>
+        <a:font script="Viet" typeface="Arial"/>
+        <a:font script="Uigh" typeface="Microsoft Uighur"/>
+        <a:font script="Geor" typeface="Sylfaen"/>
+        <a:font script="Armn" typeface="Arial"/>
+        <a:font script="Bugi" typeface="Leelawadee UI"/>
+        <a:font script="Bopo" typeface="Microsoft JhengHei"/>
+        <a:font script="Java" typeface="Javanese Text"/>
+        <a:font script="Lisu" typeface="Segoe UI"/>
+        <a:font script="Mymr" typeface="Myanmar Text"/>
+        <a:font script="Nkoo" typeface="Ebrima"/>
+        <a:font script="Olck" typeface="Nirmala UI"/>
+        <a:font script="Osma" typeface="Ebrima"/>
+        <a:font script="Phag" typeface="Phagspa"/>
+        <a:font script="Syrn" typeface="Estrangelo Edessa"/>
+        <a:font script="Syrj" typeface="Estrangelo Edessa"/>
+        <a:font script="Syre" typeface="Estrangelo Edessa"/>
+        <a:font script="Sora" typeface="Nirmala UI"/>
+        <a:font script="Tale" typeface="Microsoft Tai Le"/>
+        <a:font script="Talu" typeface="Microsoft New Tai Lue"/>
+        <a:font script="Tfng" typeface="Ebrima"/>
+      </a:minorFont>
+    </a:fontScheme>
+    <a:fmtScheme name="Office">
+      <a:fillStyleLst>
+        <a:solidFill>
+          <a:schemeClr val="phClr"/>
+        </a:solidFill>
+        <a:gradFill rotWithShape="1">
+          <a:gsLst>
+            <a:gs pos="0">
+              <a:schemeClr val="phClr">
+                <a:lumMod val="110000"/>
+                <a:satMod val="105000"/>
+                <a:tint val="67000"/>
+              </a:schemeClr>
+            </a:gs>
+            <a:gs pos="50000">
+              <a:schemeClr val="phClr">
+                <a:lumMod val="105000"/>
+                <a:satMod val="103000"/>
+                <a:tint val="73000"/>
+              </a:schemeClr>
+            </a:gs>
+            <a:gs pos="100000">
+              <a:schemeClr val="phClr">
+                <a:lumMod val="105000"/>
+                <a:satMod val="109000"/>
+                <a:tint val="81000"/>
+              </a:schemeClr>
+            </a:gs>
+          </a:gsLst>
+          <a:lin ang="5400000" scaled="0"/>
+        </a:gradFill>
+        <a:gradFill rotWithShape="1">
+          <a:gsLst>
+            <a:gs pos="0">
+              <a:schemeClr val="phClr">
+                <a:satMod val="103000"/>
+                <a:lumMod val="102000"/>
+                <a:tint val="94000"/>
+              </a:schemeClr>
+            </a:gs>
+            <a:gs pos="50000">
+              <a:schemeClr val="phClr">
+                <a:satMod val="110000"/>
+                <a:lumMod val="100000"/>
+                <a:shade val="100000"/>
+              </a:schemeClr>
+            </a:gs>
+            <a:gs pos="100000">
+              <a:schemeClr val="phClr">
+                <a:lumMod val="99000"/>
+                <a:satMod val="120000"/>
+                <a:shade val="78000"/>
+              </a:schemeClr>
+            </a:gs>
+          </a:gsLst>
+          <a:lin ang="5400000" scaled="0"/>
+        </a:gradFill>
+      </a:fillStyleLst>
+      <a:lnStyleLst>
+        <a:ln w="6350" cap="flat" cmpd="sng" algn="ctr">
+          <a:solidFill>
+            <a:schemeClr val="phClr"/>
+          </a:solidFill>
+          <a:prstDash val="solid"/>
+          <a:miter lim="800000"/>
+        </a:ln>
+        <a:ln w="12700" cap="flat" cmpd="sng" algn="ctr">
+          <a:solidFill>
+            <a:schemeClr val="phClr"/>
+          </a:solidFill>
+          <a:prstDash val="solid"/>
+          <a:miter lim="800000"/>
+        </a:ln>
+        <a:ln w="19050" cap="flat" cmpd="sng" algn="ctr">
+          <a:solidFill>
+            <a:schemeClr val="phClr"/>
+          </a:solidFill>
+          <a:prstDash val="solid"/>
+          <a:miter lim="800000"/>
+        </a:ln>
+      </a:lnStyleLst>
+      <a:effectStyleLst>
+        <a:effectStyle>
+          <a:effectLst/>
+        </a:effectStyle>
+        <a:effectStyle>
+          <a:effectLst/>
+        </a:effectStyle>
+        <a:effectStyle>
+          <a:effectLst>
+            <a:outerShdw blurRad="57150" dist="19050" dir="5400000" algn="ctr" rotWithShape="0">
+              <a:srgbClr val="000000">
+                <a:alpha val="63000"/>
+              </a:srgbClr>
+            </a:outerShdw>
+          </a:effectLst>
+        </a:effectStyle>
+      </a:effectStyleLst>
+      <a:bgFillStyleLst>
+        <a:solidFill>
+          <a:schemeClr val="phClr"/>
+        </a:solidFill>
+        <a:solidFill>
+          <a:schemeClr val="phClr">
+            <a:tint val="95000"/>
+            <a:satMod val="170000"/>
+          </a:schemeClr>
+        </a:solidFill>
+        <a:gradFill rotWithShape="1">
+          <a:gsLst>
+            <a:gs pos="0">
+              <a:schemeClr val="phClr">
+                <a:tint val="93000"/>
+                <a:satMod val="150000"/>
+                <a:shade val="98000"/>
+                <a:lumMod val="102000"/>
+              </a:schemeClr>
+            </a:gs>
+            <a:gs pos="50000">
+              <a:schemeClr val="phClr">
+                <a:tint val="98000"/>
+                <a:satMod val="130000"/>
+                <a:shade val="90000"/>
+                <a:lumMod val="103000"/>
+              </a:schemeClr>
+            </a:gs>
+            <a:gs pos="100000">
+              <a:schemeClr val="phClr">
+                <a:shade val="63000"/>
+                <a:satMod val="120000"/>
+              </a:schemeClr>
+            </a:gs>
+          </a:gsLst>
+          <a:lin ang="5400000" scaled="0"/>
+        </a:gradFill>
+      </a:bgFillStyleLst>
+    </a:fmtScheme>
+  </a:themeElements>
+  <a:objectDefaults/>
+  <a:extraClrSchemeLst/>
+  <a:extLst>
+    <a:ext uri="{05A4C25C-085E-4340-85A3-A5531E510DB2}">
+      <thm15:themeFamily xmlns:thm15="http://schemas.microsoft.com/office/thememl/2012/main" name="Office Theme" id="{62F939B6-93AF-4DB8-9C6B-D6C7DFDC589F}" vid="{4A3C46E8-61CC-4603-A589-7422A47A8E4A}"/>
+    </a:ext>
+  </a:extLst>
+</a:theme>
 </file>
--- a/docs/diagrams/editBondCommand.pptx
+++ b/docs/diagrams/editBondCommand.pptx
@@ -3798,7 +3798,7 @@
         </p:nvGrpSpPr>
         <p:grpSpPr>
           <a:xfrm>
-            <a:off x="98646" y="22069"/>
+            <a:off x="53165" y="21266"/>
             <a:ext cx="11994708" cy="6862229"/>
             <a:chOff x="0" y="514023"/>
             <a:chExt cx="11994708" cy="6862229"/>
@@ -5183,7 +5183,7 @@
           </p:nvCxnSpPr>
           <p:spPr>
             <a:xfrm rot="10800000" flipV="1">
-              <a:off x="5596798" y="2305559"/>
+              <a:off x="5596798" y="2312539"/>
               <a:ext cx="160419" cy="83167"/>
             </a:xfrm>
             <a:prstGeom prst="curvedConnector3">
@@ -5622,20 +5622,52 @@
             <a:lstStyle/>
             <a:p>
               <a:r>
-                <a:rPr lang="en-US" sz="1100">
+                <a:rPr lang="en-US" sz="1100" dirty="0" err="1">
                   <a:latin typeface="Arial" panose="020B0604020202020204" pitchFamily="34" charset="0"/>
                   <a:cs typeface="Arial" panose="020B0604020202020204" pitchFamily="34" charset="0"/>
                 </a:rPr>
                 <a:t>investmentEditBond</a:t>
               </a:r>
+              <a:endParaRPr lang="en-US" sz="1100" dirty="0">
+                <a:latin typeface="Arial" panose="020B0604020202020204" pitchFamily="34" charset="0"/>
+                <a:cs typeface="Arial" panose="020B0604020202020204" pitchFamily="34" charset="0"/>
+              </a:endParaRPr>
             </a:p>
             <a:p>
               <a:r>
-                <a:rPr lang="en-US" sz="1100">
+                <a:rPr lang="en-US" sz="1100" dirty="0">
                   <a:latin typeface="Arial" panose="020B0604020202020204" pitchFamily="34" charset="0"/>
                   <a:cs typeface="Arial" panose="020B0604020202020204" pitchFamily="34" charset="0"/>
                 </a:rPr>
-                <a:t>(bondName, year, rate, ui)</a:t>
+                <a:t>(</a:t>
+              </a:r>
+              <a:r>
+                <a:rPr lang="en-US" sz="1100" dirty="0" err="1">
+                  <a:latin typeface="Arial" panose="020B0604020202020204" pitchFamily="34" charset="0"/>
+                  <a:cs typeface="Arial" panose="020B0604020202020204" pitchFamily="34" charset="0"/>
+                </a:rPr>
+                <a:t>bondName</a:t>
+              </a:r>
+              <a:r>
+                <a:rPr lang="en-US" sz="1100" dirty="0">
+                  <a:latin typeface="Arial" panose="020B0604020202020204" pitchFamily="34" charset="0"/>
+                  <a:cs typeface="Arial" panose="020B0604020202020204" pitchFamily="34" charset="0"/>
+                </a:rPr>
+                <a:t>, year, rate, </a:t>
+              </a:r>
+              <a:r>
+                <a:rPr lang="en-US" sz="1100" dirty="0" err="1">
+                  <a:latin typeface="Arial" panose="020B0604020202020204" pitchFamily="34" charset="0"/>
+                  <a:cs typeface="Arial" panose="020B0604020202020204" pitchFamily="34" charset="0"/>
+                </a:rPr>
+                <a:t>ui</a:t>
+              </a:r>
+              <a:r>
+                <a:rPr lang="en-US" sz="1100" dirty="0">
+                  <a:latin typeface="Arial" panose="020B0604020202020204" pitchFamily="34" charset="0"/>
+                  <a:cs typeface="Arial" panose="020B0604020202020204" pitchFamily="34" charset="0"/>
+                </a:rPr>
+                <a:t>)</a:t>
               </a:r>
             </a:p>
           </p:txBody>
